--- a/Präsentation/Präsentation Gruppe 2.pptx
+++ b/Präsentation/Präsentation Gruppe 2.pptx
@@ -5,7 +5,7 @@
     <p:sldMasterId id="2147483660" r:id="rId1"/>
   </p:sldMasterIdLst>
   <p:notesMasterIdLst>
-    <p:notesMasterId r:id="rId8"/>
+    <p:notesMasterId r:id="rId12"/>
   </p:notesMasterIdLst>
   <p:sldIdLst>
     <p:sldId id="257" r:id="rId2"/>
@@ -14,6 +14,10 @@
     <p:sldId id="262" r:id="rId5"/>
     <p:sldId id="260" r:id="rId6"/>
     <p:sldId id="261" r:id="rId7"/>
+    <p:sldId id="263" r:id="rId8"/>
+    <p:sldId id="264" r:id="rId9"/>
+    <p:sldId id="265" r:id="rId10"/>
+    <p:sldId id="266" r:id="rId11"/>
   </p:sldIdLst>
   <p:sldSz cx="9144000" cy="6858000" type="screen4x3"/>
   <p:notesSz cx="6858000" cy="9144000"/>
@@ -112,6 +116,11 @@
       </a:defRPr>
     </a:lvl9pPr>
   </p:defaultTextStyle>
+  <p:extLst>
+    <p:ext uri="{EFAFB233-063F-42B5-8137-9DF3F51BA10A}">
+      <p15:sldGuideLst xmlns:p15="http://schemas.microsoft.com/office/powerpoint/2012/main"/>
+    </p:ext>
+  </p:extLst>
 </p:presentation>
 </file>
 
@@ -197,7 +206,7 @@
           <a:p>
             <a:fld id="{07BB8642-CDF3-45D6-9755-4E7664DE68ED}" type="datetimeFigureOut">
               <a:rPr lang="de-DE" smtClean="0"/>
-              <a:t>01.04.2017</a:t>
+              <a:t>02.04.2017</a:t>
             </a:fld>
             <a:endParaRPr lang="de-DE"/>
           </a:p>
@@ -292,7 +301,6 @@
               <a:rPr lang="de-DE"/>
               <a:t>Fünfte Ebene</a:t>
             </a:r>
-            <a:endParaRPr lang="de-DE"/>
           </a:p>
         </p:txBody>
       </p:sp>
@@ -465,6 +473,153 @@
 </p:notesMaster>
 </file>
 
+<file path=ppt/notesSlides/notesSlide1.xml><?xml version="1.0" encoding="utf-8"?>
+<p:notes xmlns:a="http://schemas.openxmlformats.org/drawingml/2006/main" xmlns:r="http://schemas.openxmlformats.org/officeDocument/2006/relationships" xmlns:p="http://schemas.openxmlformats.org/presentationml/2006/main">
+  <p:cSld>
+    <p:spTree>
+      <p:nvGrpSpPr>
+        <p:cNvPr id="1" name=""/>
+        <p:cNvGrpSpPr/>
+        <p:nvPr/>
+      </p:nvGrpSpPr>
+      <p:grpSpPr>
+        <a:xfrm>
+          <a:off x="0" y="0"/>
+          <a:ext cx="0" cy="0"/>
+          <a:chOff x="0" y="0"/>
+          <a:chExt cx="0" cy="0"/>
+        </a:xfrm>
+      </p:grpSpPr>
+      <p:sp>
+        <p:nvSpPr>
+          <p:cNvPr id="2" name="Folienbildplatzhalter 1"/>
+          <p:cNvSpPr>
+            <a:spLocks noGrp="1" noRot="1" noChangeAspect="1"/>
+          </p:cNvSpPr>
+          <p:nvPr>
+            <p:ph type="sldImg"/>
+          </p:nvPr>
+        </p:nvSpPr>
+        <p:spPr/>
+      </p:sp>
+      <p:sp>
+        <p:nvSpPr>
+          <p:cNvPr id="3" name="Notizenplatzhalter 2"/>
+          <p:cNvSpPr>
+            <a:spLocks noGrp="1"/>
+          </p:cNvSpPr>
+          <p:nvPr>
+            <p:ph type="body" idx="1"/>
+          </p:nvPr>
+        </p:nvSpPr>
+        <p:spPr/>
+        <p:txBody>
+          <a:bodyPr/>
+          <a:lstStyle/>
+          <a:p>
+            <a:r>
+              <a:rPr lang="de-DE" sz="1200" b="1" kern="1200" dirty="0">
+                <a:solidFill>
+                  <a:schemeClr val="tx1"/>
+                </a:solidFill>
+                <a:effectLst/>
+                <a:latin typeface="+mn-lt"/>
+                <a:ea typeface="+mn-ea"/>
+                <a:cs typeface="+mn-cs"/>
+              </a:rPr>
+              <a:t>User Story Andreas Müller</a:t>
+            </a:r>
+            <a:br>
+              <a:rPr lang="de-DE" sz="1200" b="1" kern="1200" dirty="0">
+                <a:solidFill>
+                  <a:schemeClr val="tx1"/>
+                </a:solidFill>
+                <a:effectLst/>
+                <a:latin typeface="+mn-lt"/>
+                <a:ea typeface="+mn-ea"/>
+                <a:cs typeface="+mn-cs"/>
+              </a:rPr>
+            </a:br>
+            <a:endParaRPr lang="de-DE" sz="1200" b="1" kern="1200" dirty="0">
+              <a:solidFill>
+                <a:schemeClr val="tx1"/>
+              </a:solidFill>
+              <a:effectLst/>
+              <a:latin typeface="+mn-lt"/>
+              <a:ea typeface="+mn-ea"/>
+              <a:cs typeface="+mn-cs"/>
+            </a:endParaRPr>
+          </a:p>
+          <a:p>
+            <a:r>
+              <a:rPr lang="de-DE" sz="1200" kern="1200" dirty="0">
+                <a:solidFill>
+                  <a:schemeClr val="tx1"/>
+                </a:solidFill>
+                <a:effectLst/>
+                <a:latin typeface="+mn-lt"/>
+                <a:ea typeface="+mn-ea"/>
+                <a:cs typeface="+mn-cs"/>
+              </a:rPr>
+              <a:t>Ich wünsche mir eine sehr einfach zu bedienende und klar strukturierte Seite, mit der ich einen guten Überblick über meine Produkte bekomme. Da ich mich auf Amazon und anderen Online-Shop-Seiten nicht so selbstsicher bewegen kann, wünsche ich mir ein klares Layout der Seite, ohne mich lange in die Funktionalitäten einarbeiten zu müssen. Da ich gerne Produkte über einen längeren Zeitraum beobachte, wünsche ich mir die nötigen Einstellungen, um den Preisverlauf auf einem Blick nachvollziehen zu können. </a:t>
+            </a:r>
+          </a:p>
+          <a:p>
+            <a:pPr lvl="0"/>
+            <a:r>
+              <a:rPr lang="de-DE" sz="1200" kern="1200" dirty="0">
+                <a:solidFill>
+                  <a:schemeClr val="tx1"/>
+                </a:solidFill>
+                <a:effectLst/>
+                <a:latin typeface="+mn-lt"/>
+                <a:ea typeface="+mn-ea"/>
+                <a:cs typeface="+mn-cs"/>
+              </a:rPr>
+              <a:t>Alles in allem wünsche ich mir ein modernes Design, das auch technisch kaum versierten Benutzern wie mir eine problemlose Bedienung der Webseite ermöglicht. </a:t>
+            </a:r>
+          </a:p>
+          <a:p>
+            <a:endParaRPr lang="de-DE" dirty="0"/>
+          </a:p>
+        </p:txBody>
+      </p:sp>
+      <p:sp>
+        <p:nvSpPr>
+          <p:cNvPr id="4" name="Foliennummernplatzhalter 3"/>
+          <p:cNvSpPr>
+            <a:spLocks noGrp="1"/>
+          </p:cNvSpPr>
+          <p:nvPr>
+            <p:ph type="sldNum" sz="quarter" idx="10"/>
+          </p:nvPr>
+        </p:nvSpPr>
+        <p:spPr/>
+        <p:txBody>
+          <a:bodyPr/>
+          <a:lstStyle/>
+          <a:p>
+            <a:fld id="{027154C5-65B5-48B3-B278-9C20A192C269}" type="slidenum">
+              <a:rPr lang="de-DE" smtClean="0"/>
+              <a:t>6</a:t>
+            </a:fld>
+            <a:endParaRPr lang="de-DE"/>
+          </a:p>
+        </p:txBody>
+      </p:sp>
+    </p:spTree>
+    <p:extLst>
+      <p:ext uri="{BB962C8B-B14F-4D97-AF65-F5344CB8AC3E}">
+        <p14:creationId xmlns:p14="http://schemas.microsoft.com/office/powerpoint/2010/main" val="1185367282"/>
+      </p:ext>
+    </p:extLst>
+  </p:cSld>
+  <p:clrMapOvr>
+    <a:masterClrMapping/>
+  </p:clrMapOvr>
+</p:notes>
+</file>
+
 <file path=ppt/slideLayouts/slideLayout1.xml><?xml version="1.0" encoding="utf-8"?>
 <p:sldLayout xmlns:a="http://schemas.openxmlformats.org/drawingml/2006/main" xmlns:r="http://schemas.openxmlformats.org/officeDocument/2006/relationships" xmlns:p="http://schemas.openxmlformats.org/presentationml/2006/main" type="title" preserve="1">
   <p:cSld name="Titelfolie">
@@ -596,7 +751,7 @@
           <a:p>
             <a:fld id="{B963AB3E-E22F-4644-A08F-21A1907EB07C}" type="datetime1">
               <a:rPr lang="de-DE" smtClean="0"/>
-              <a:t>01.04.2017</a:t>
+              <a:t>02.04.2017</a:t>
             </a:fld>
             <a:endParaRPr lang="de-DE"/>
           </a:p>
@@ -766,7 +921,7 @@
           <a:p>
             <a:fld id="{0B09E0E7-F097-4EB4-9156-3C04E83A9960}" type="datetime1">
               <a:rPr lang="de-DE" smtClean="0"/>
-              <a:t>01.04.2017</a:t>
+              <a:t>02.04.2017</a:t>
             </a:fld>
             <a:endParaRPr lang="de-DE"/>
           </a:p>
@@ -946,7 +1101,7 @@
           <a:p>
             <a:fld id="{EFD21B16-3240-42F4-A227-EE762AEF79FC}" type="datetime1">
               <a:rPr lang="de-DE" smtClean="0"/>
-              <a:t>01.04.2017</a:t>
+              <a:t>02.04.2017</a:t>
             </a:fld>
             <a:endParaRPr lang="de-DE"/>
           </a:p>
@@ -1116,7 +1271,7 @@
           <a:p>
             <a:fld id="{11F27AD4-71C3-4637-B6EA-7BAC332326B1}" type="datetime1">
               <a:rPr lang="de-DE" smtClean="0"/>
-              <a:t>01.04.2017</a:t>
+              <a:t>02.04.2017</a:t>
             </a:fld>
             <a:endParaRPr lang="de-DE"/>
           </a:p>
@@ -1360,7 +1515,7 @@
           <a:p>
             <a:fld id="{22B3F217-E3C5-42BD-AC58-5446EB37E0CF}" type="datetime1">
               <a:rPr lang="de-DE" smtClean="0"/>
-              <a:t>01.04.2017</a:t>
+              <a:t>02.04.2017</a:t>
             </a:fld>
             <a:endParaRPr lang="de-DE"/>
           </a:p>
@@ -1592,7 +1747,7 @@
           <a:p>
             <a:fld id="{E6B453F8-7CAE-498D-933C-4CCD1A01F8C8}" type="datetime1">
               <a:rPr lang="de-DE" smtClean="0"/>
-              <a:t>01.04.2017</a:t>
+              <a:t>02.04.2017</a:t>
             </a:fld>
             <a:endParaRPr lang="de-DE"/>
           </a:p>
@@ -1959,7 +2114,7 @@
           <a:p>
             <a:fld id="{EC4B3CE6-574A-4557-B8D4-3D062E321FEC}" type="datetime1">
               <a:rPr lang="de-DE" smtClean="0"/>
-              <a:t>01.04.2017</a:t>
+              <a:t>02.04.2017</a:t>
             </a:fld>
             <a:endParaRPr lang="de-DE"/>
           </a:p>
@@ -2077,7 +2232,7 @@
           <a:p>
             <a:fld id="{913CAE68-16AE-47DD-8FD9-53F030678557}" type="datetime1">
               <a:rPr lang="de-DE" smtClean="0"/>
-              <a:t>01.04.2017</a:t>
+              <a:t>02.04.2017</a:t>
             </a:fld>
             <a:endParaRPr lang="de-DE"/>
           </a:p>
@@ -2172,7 +2327,7 @@
           <a:p>
             <a:fld id="{A05E3000-B9DE-44B0-83EF-18AA88FA4468}" type="datetime1">
               <a:rPr lang="de-DE" smtClean="0"/>
-              <a:t>01.04.2017</a:t>
+              <a:t>02.04.2017</a:t>
             </a:fld>
             <a:endParaRPr lang="de-DE"/>
           </a:p>
@@ -2449,7 +2604,7 @@
           <a:p>
             <a:fld id="{8791F026-B1E1-4C78-9D75-F1B0AF03F9EB}" type="datetime1">
               <a:rPr lang="de-DE" smtClean="0"/>
-              <a:t>01.04.2017</a:t>
+              <a:t>02.04.2017</a:t>
             </a:fld>
             <a:endParaRPr lang="de-DE"/>
           </a:p>
@@ -2706,7 +2861,7 @@
           <a:p>
             <a:fld id="{82BE1A36-7C94-48D4-A060-67B6C5132B30}" type="datetime1">
               <a:rPr lang="de-DE" smtClean="0"/>
-              <a:t>01.04.2017</a:t>
+              <a:t>02.04.2017</a:t>
             </a:fld>
             <a:endParaRPr lang="de-DE"/>
           </a:p>
@@ -2928,7 +3083,7 @@
           <a:p>
             <a:fld id="{3286DE94-5723-4024-B8D4-337FB6768B9A}" type="datetime1">
               <a:rPr lang="de-DE" smtClean="0"/>
-              <a:t>01.04.2017</a:t>
+              <a:t>02.04.2017</a:t>
             </a:fld>
             <a:endParaRPr lang="de-DE"/>
           </a:p>
@@ -3449,6 +3604,100 @@
 </p:sld>
 </file>
 
+<file path=ppt/slides/slide10.xml><?xml version="1.0" encoding="utf-8"?>
+<p:sld xmlns:a="http://schemas.openxmlformats.org/drawingml/2006/main" xmlns:r="http://schemas.openxmlformats.org/officeDocument/2006/relationships" xmlns:p="http://schemas.openxmlformats.org/presentationml/2006/main">
+  <p:cSld>
+    <p:spTree>
+      <p:nvGrpSpPr>
+        <p:cNvPr id="1" name=""/>
+        <p:cNvGrpSpPr/>
+        <p:nvPr/>
+      </p:nvGrpSpPr>
+      <p:grpSpPr>
+        <a:xfrm>
+          <a:off x="0" y="0"/>
+          <a:ext cx="0" cy="0"/>
+          <a:chOff x="0" y="0"/>
+          <a:chExt cx="0" cy="0"/>
+        </a:xfrm>
+      </p:grpSpPr>
+      <p:sp>
+        <p:nvSpPr>
+          <p:cNvPr id="6" name="Inhaltsplatzhalter 5"/>
+          <p:cNvSpPr>
+            <a:spLocks noGrp="1"/>
+          </p:cNvSpPr>
+          <p:nvPr>
+            <p:ph idx="1"/>
+          </p:nvPr>
+        </p:nvSpPr>
+        <p:spPr>
+          <a:xfrm>
+            <a:off x="1091663" y="3561357"/>
+            <a:ext cx="8105151" cy="3617607"/>
+          </a:xfrm>
+        </p:spPr>
+        <p:txBody>
+          <a:bodyPr/>
+          <a:lstStyle/>
+          <a:p>
+            <a:endParaRPr lang="de-DE" sz="2400" dirty="0"/>
+          </a:p>
+          <a:p>
+            <a:endParaRPr lang="de-DE" dirty="0"/>
+          </a:p>
+          <a:p>
+            <a:pPr marL="571500" indent="-571500">
+              <a:buFont typeface="+mj-lt"/>
+              <a:buAutoNum type="romanUcPeriod"/>
+            </a:pPr>
+            <a:endParaRPr lang="de-DE" dirty="0"/>
+          </a:p>
+          <a:p>
+            <a:pPr marL="514350" indent="-514350">
+              <a:buFont typeface="+mj-lt"/>
+              <a:buAutoNum type="romanUcPeriod"/>
+            </a:pPr>
+            <a:endParaRPr lang="de-DE" dirty="0"/>
+          </a:p>
+        </p:txBody>
+      </p:sp>
+      <p:sp>
+        <p:nvSpPr>
+          <p:cNvPr id="7" name="Foliennummernplatzhalter 6"/>
+          <p:cNvSpPr>
+            <a:spLocks noGrp="1"/>
+          </p:cNvSpPr>
+          <p:nvPr>
+            <p:ph type="sldNum" sz="quarter" idx="12"/>
+          </p:nvPr>
+        </p:nvSpPr>
+        <p:spPr/>
+        <p:txBody>
+          <a:bodyPr/>
+          <a:lstStyle/>
+          <a:p>
+            <a:fld id="{9CDE1BF7-98F8-4339-9767-51328A5E8D33}" type="slidenum">
+              <a:rPr lang="de-DE" smtClean="0"/>
+              <a:t>10</a:t>
+            </a:fld>
+            <a:endParaRPr lang="de-DE"/>
+          </a:p>
+        </p:txBody>
+      </p:sp>
+    </p:spTree>
+    <p:extLst>
+      <p:ext uri="{BB962C8B-B14F-4D97-AF65-F5344CB8AC3E}">
+        <p14:creationId xmlns:p14="http://schemas.microsoft.com/office/powerpoint/2010/main" val="3828604611"/>
+      </p:ext>
+    </p:extLst>
+  </p:cSld>
+  <p:clrMapOvr>
+    <a:masterClrMapping/>
+  </p:clrMapOvr>
+</p:sld>
+</file>
+
 <file path=ppt/slides/slide2.xml><?xml version="1.0" encoding="utf-8"?>
 <p:sld xmlns:a="http://schemas.openxmlformats.org/drawingml/2006/main" xmlns:r="http://schemas.openxmlformats.org/officeDocument/2006/relationships" xmlns:p="http://schemas.openxmlformats.org/presentationml/2006/main">
   <p:cSld>
@@ -3857,11 +4106,7 @@
           <a:p>
             <a:r>
               <a:rPr lang="de-DE" sz="2400" dirty="0"/>
-              <a:t>Ist heute unter </a:t>
-            </a:r>
-            <a:r>
-              <a:rPr lang="de-DE" sz="2400" dirty="0"/>
-              <a:t>www.yaaw.de und im Android-Store verfügbar</a:t>
+              <a:t>Ist heute unter www.yaaw.de und im Android-Store verfügbar</a:t>
             </a:r>
           </a:p>
           <a:p>
@@ -4473,10 +4718,142 @@
           <a:bodyPr/>
           <a:lstStyle/>
           <a:p>
-            <a:r>
-              <a:rPr lang="de-DE" sz="2400" dirty="0" err="1"/>
-              <a:t>text</a:t>
-            </a:r>
+            <a:pPr marL="0" indent="0">
+              <a:buNone/>
+            </a:pPr>
+            <a:r>
+              <a:rPr lang="de-DE" dirty="0"/>
+              <a:t>Andreas Müller </a:t>
+            </a:r>
+          </a:p>
+          <a:p>
+            <a:pPr marL="0" indent="0">
+              <a:buNone/>
+            </a:pPr>
+            <a:r>
+              <a:rPr lang="de-DE" dirty="0"/>
+              <a:t>[…]</a:t>
+            </a:r>
+          </a:p>
+          <a:p>
+            <a:pPr marL="0" indent="0">
+              <a:buNone/>
+            </a:pPr>
+            <a:r>
+              <a:rPr lang="de-DE" sz="2400" dirty="0"/>
+              <a:t>Zusammengefasst wünsche ich mir ein modernes Design, das auch technisch kaum versierten Benutzern wie mir eine problemlose Bedienung der Webseite ermöglicht. </a:t>
+            </a:r>
+          </a:p>
+          <a:p>
+            <a:pPr marL="0" indent="0">
+              <a:buNone/>
+            </a:pPr>
+            <a:endParaRPr lang="de-DE" dirty="0"/>
+          </a:p>
+        </p:txBody>
+      </p:sp>
+      <p:sp>
+        <p:nvSpPr>
+          <p:cNvPr id="7" name="Foliennummernplatzhalter 6"/>
+          <p:cNvSpPr>
+            <a:spLocks noGrp="1"/>
+          </p:cNvSpPr>
+          <p:nvPr>
+            <p:ph type="sldNum" sz="quarter" idx="12"/>
+          </p:nvPr>
+        </p:nvSpPr>
+        <p:spPr/>
+        <p:txBody>
+          <a:bodyPr/>
+          <a:lstStyle/>
+          <a:p>
+            <a:fld id="{9CDE1BF7-98F8-4339-9767-51328A5E8D33}" type="slidenum">
+              <a:rPr lang="de-DE" smtClean="0"/>
+              <a:t>6</a:t>
+            </a:fld>
+            <a:endParaRPr lang="de-DE"/>
+          </a:p>
+        </p:txBody>
+      </p:sp>
+      <p:sp>
+        <p:nvSpPr>
+          <p:cNvPr id="8" name="Titel 4"/>
+          <p:cNvSpPr>
+            <a:spLocks noGrp="1"/>
+          </p:cNvSpPr>
+          <p:nvPr>
+            <p:ph type="title"/>
+          </p:nvPr>
+        </p:nvSpPr>
+        <p:spPr>
+          <a:xfrm>
+            <a:off x="606581" y="694334"/>
+            <a:ext cx="7886700" cy="1325563"/>
+          </a:xfrm>
+        </p:spPr>
+        <p:txBody>
+          <a:bodyPr>
+            <a:normAutofit/>
+          </a:bodyPr>
+          <a:lstStyle/>
+          <a:p>
+            <a:r>
+              <a:rPr lang="de-DE" sz="4000" dirty="0"/>
+              <a:t>Userstory</a:t>
+            </a:r>
+          </a:p>
+        </p:txBody>
+      </p:sp>
+    </p:spTree>
+    <p:extLst>
+      <p:ext uri="{BB962C8B-B14F-4D97-AF65-F5344CB8AC3E}">
+        <p14:creationId xmlns:p14="http://schemas.microsoft.com/office/powerpoint/2010/main" val="3068418944"/>
+      </p:ext>
+    </p:extLst>
+  </p:cSld>
+  <p:clrMapOvr>
+    <a:masterClrMapping/>
+  </p:clrMapOvr>
+</p:sld>
+</file>
+
+<file path=ppt/slides/slide7.xml><?xml version="1.0" encoding="utf-8"?>
+<p:sld xmlns:a="http://schemas.openxmlformats.org/drawingml/2006/main" xmlns:r="http://schemas.openxmlformats.org/officeDocument/2006/relationships" xmlns:p="http://schemas.openxmlformats.org/presentationml/2006/main">
+  <p:cSld>
+    <p:spTree>
+      <p:nvGrpSpPr>
+        <p:cNvPr id="1" name=""/>
+        <p:cNvGrpSpPr/>
+        <p:nvPr/>
+      </p:nvGrpSpPr>
+      <p:grpSpPr>
+        <a:xfrm>
+          <a:off x="0" y="0"/>
+          <a:ext cx="0" cy="0"/>
+          <a:chOff x="0" y="0"/>
+          <a:chExt cx="0" cy="0"/>
+        </a:xfrm>
+      </p:grpSpPr>
+      <p:sp>
+        <p:nvSpPr>
+          <p:cNvPr id="6" name="Inhaltsplatzhalter 5"/>
+          <p:cNvSpPr>
+            <a:spLocks noGrp="1"/>
+          </p:cNvSpPr>
+          <p:nvPr>
+            <p:ph idx="1"/>
+          </p:nvPr>
+        </p:nvSpPr>
+        <p:spPr>
+          <a:xfrm>
+            <a:off x="1091663" y="3561357"/>
+            <a:ext cx="8105151" cy="3617607"/>
+          </a:xfrm>
+        </p:spPr>
+        <p:txBody>
+          <a:bodyPr/>
+          <a:lstStyle/>
+          <a:p>
             <a:endParaRPr lang="de-DE" sz="2400" dirty="0"/>
           </a:p>
           <a:p>
@@ -4515,7 +4892,7 @@
           <a:p>
             <a:fld id="{9CDE1BF7-98F8-4339-9767-51328A5E8D33}" type="slidenum">
               <a:rPr lang="de-DE" smtClean="0"/>
-              <a:t>6</a:t>
+              <a:t>7</a:t>
             </a:fld>
             <a:endParaRPr lang="de-DE"/>
           </a:p>
@@ -4533,7 +4910,7 @@
         </p:nvSpPr>
         <p:spPr>
           <a:xfrm>
-            <a:off x="602032" y="694334"/>
+            <a:off x="551866" y="556782"/>
             <a:ext cx="7886700" cy="1325563"/>
           </a:xfrm>
         </p:spPr>
@@ -4544,17 +4921,728 @@
           <a:lstStyle/>
           <a:p>
             <a:r>
+              <a:rPr lang="de-DE" sz="4000" dirty="0"/>
+              <a:t>Mock-</a:t>
+            </a:r>
+            <a:r>
               <a:rPr lang="de-DE" sz="4000" dirty="0" err="1"/>
-              <a:t>überschrift</a:t>
+              <a:t>Ups</a:t>
             </a:r>
             <a:endParaRPr lang="de-DE" sz="4000" dirty="0"/>
           </a:p>
         </p:txBody>
       </p:sp>
+      <p:sp>
+        <p:nvSpPr>
+          <p:cNvPr id="9" name="Inhaltsplatzhalter 5"/>
+          <p:cNvSpPr txBox="1">
+            <a:spLocks/>
+          </p:cNvSpPr>
+          <p:nvPr/>
+        </p:nvSpPr>
+        <p:spPr>
+          <a:xfrm>
+            <a:off x="442640" y="1637910"/>
+            <a:ext cx="8105151" cy="3617607"/>
+          </a:xfrm>
+          <a:prstGeom prst="rect">
+            <a:avLst/>
+          </a:prstGeom>
+        </p:spPr>
+        <p:txBody>
+          <a:bodyPr vert="horz" lIns="91440" tIns="45720" rIns="91440" bIns="45720" rtlCol="0">
+            <a:normAutofit/>
+          </a:bodyPr>
+          <a:lstStyle>
+            <a:lvl1pPr marL="228600" indent="-228600" algn="l" defTabSz="914400" rtl="0" eaLnBrk="1" latinLnBrk="0" hangingPunct="1">
+              <a:lnSpc>
+                <a:spcPct val="90000"/>
+              </a:lnSpc>
+              <a:spcBef>
+                <a:spcPts val="1000"/>
+              </a:spcBef>
+              <a:buFont typeface="Arial" panose="020B0604020202020204" pitchFamily="34" charset="0"/>
+              <a:buChar char="•"/>
+              <a:defRPr sz="2800" kern="1200">
+                <a:solidFill>
+                  <a:schemeClr val="tx1"/>
+                </a:solidFill>
+                <a:latin typeface="+mn-lt"/>
+                <a:ea typeface="+mn-ea"/>
+                <a:cs typeface="+mn-cs"/>
+              </a:defRPr>
+            </a:lvl1pPr>
+            <a:lvl2pPr marL="685800" indent="-228600" algn="l" defTabSz="914400" rtl="0" eaLnBrk="1" latinLnBrk="0" hangingPunct="1">
+              <a:lnSpc>
+                <a:spcPct val="90000"/>
+              </a:lnSpc>
+              <a:spcBef>
+                <a:spcPts val="500"/>
+              </a:spcBef>
+              <a:buFont typeface="Arial" panose="020B0604020202020204" pitchFamily="34" charset="0"/>
+              <a:buChar char="•"/>
+              <a:defRPr sz="2400" kern="1200">
+                <a:solidFill>
+                  <a:schemeClr val="tx1"/>
+                </a:solidFill>
+                <a:latin typeface="+mn-lt"/>
+                <a:ea typeface="+mn-ea"/>
+                <a:cs typeface="+mn-cs"/>
+              </a:defRPr>
+            </a:lvl2pPr>
+            <a:lvl3pPr marL="1143000" indent="-228600" algn="l" defTabSz="914400" rtl="0" eaLnBrk="1" latinLnBrk="0" hangingPunct="1">
+              <a:lnSpc>
+                <a:spcPct val="90000"/>
+              </a:lnSpc>
+              <a:spcBef>
+                <a:spcPts val="500"/>
+              </a:spcBef>
+              <a:buFont typeface="Arial" panose="020B0604020202020204" pitchFamily="34" charset="0"/>
+              <a:buChar char="•"/>
+              <a:defRPr sz="2000" kern="1200">
+                <a:solidFill>
+                  <a:schemeClr val="tx1"/>
+                </a:solidFill>
+                <a:latin typeface="+mn-lt"/>
+                <a:ea typeface="+mn-ea"/>
+                <a:cs typeface="+mn-cs"/>
+              </a:defRPr>
+            </a:lvl3pPr>
+            <a:lvl4pPr marL="1600200" indent="-228600" algn="l" defTabSz="914400" rtl="0" eaLnBrk="1" latinLnBrk="0" hangingPunct="1">
+              <a:lnSpc>
+                <a:spcPct val="90000"/>
+              </a:lnSpc>
+              <a:spcBef>
+                <a:spcPts val="500"/>
+              </a:spcBef>
+              <a:buFont typeface="Arial" panose="020B0604020202020204" pitchFamily="34" charset="0"/>
+              <a:buChar char="•"/>
+              <a:defRPr sz="1800" kern="1200">
+                <a:solidFill>
+                  <a:schemeClr val="tx1"/>
+                </a:solidFill>
+                <a:latin typeface="+mn-lt"/>
+                <a:ea typeface="+mn-ea"/>
+                <a:cs typeface="+mn-cs"/>
+              </a:defRPr>
+            </a:lvl4pPr>
+            <a:lvl5pPr marL="2057400" indent="-228600" algn="l" defTabSz="914400" rtl="0" eaLnBrk="1" latinLnBrk="0" hangingPunct="1">
+              <a:lnSpc>
+                <a:spcPct val="90000"/>
+              </a:lnSpc>
+              <a:spcBef>
+                <a:spcPts val="500"/>
+              </a:spcBef>
+              <a:buFont typeface="Arial" panose="020B0604020202020204" pitchFamily="34" charset="0"/>
+              <a:buChar char="•"/>
+              <a:defRPr sz="1800" kern="1200">
+                <a:solidFill>
+                  <a:schemeClr val="tx1"/>
+                </a:solidFill>
+                <a:latin typeface="+mn-lt"/>
+                <a:ea typeface="+mn-ea"/>
+                <a:cs typeface="+mn-cs"/>
+              </a:defRPr>
+            </a:lvl5pPr>
+            <a:lvl6pPr marL="2514600" indent="-228600" algn="l" defTabSz="914400" rtl="0" eaLnBrk="1" latinLnBrk="0" hangingPunct="1">
+              <a:lnSpc>
+                <a:spcPct val="90000"/>
+              </a:lnSpc>
+              <a:spcBef>
+                <a:spcPts val="500"/>
+              </a:spcBef>
+              <a:buFont typeface="Arial" panose="020B0604020202020204" pitchFamily="34" charset="0"/>
+              <a:buChar char="•"/>
+              <a:defRPr sz="1800" kern="1200">
+                <a:solidFill>
+                  <a:schemeClr val="tx1"/>
+                </a:solidFill>
+                <a:latin typeface="+mn-lt"/>
+                <a:ea typeface="+mn-ea"/>
+                <a:cs typeface="+mn-cs"/>
+              </a:defRPr>
+            </a:lvl6pPr>
+            <a:lvl7pPr marL="2971800" indent="-228600" algn="l" defTabSz="914400" rtl="0" eaLnBrk="1" latinLnBrk="0" hangingPunct="1">
+              <a:lnSpc>
+                <a:spcPct val="90000"/>
+              </a:lnSpc>
+              <a:spcBef>
+                <a:spcPts val="500"/>
+              </a:spcBef>
+              <a:buFont typeface="Arial" panose="020B0604020202020204" pitchFamily="34" charset="0"/>
+              <a:buChar char="•"/>
+              <a:defRPr sz="1800" kern="1200">
+                <a:solidFill>
+                  <a:schemeClr val="tx1"/>
+                </a:solidFill>
+                <a:latin typeface="+mn-lt"/>
+                <a:ea typeface="+mn-ea"/>
+                <a:cs typeface="+mn-cs"/>
+              </a:defRPr>
+            </a:lvl7pPr>
+            <a:lvl8pPr marL="3429000" indent="-228600" algn="l" defTabSz="914400" rtl="0" eaLnBrk="1" latinLnBrk="0" hangingPunct="1">
+              <a:lnSpc>
+                <a:spcPct val="90000"/>
+              </a:lnSpc>
+              <a:spcBef>
+                <a:spcPts val="500"/>
+              </a:spcBef>
+              <a:buFont typeface="Arial" panose="020B0604020202020204" pitchFamily="34" charset="0"/>
+              <a:buChar char="•"/>
+              <a:defRPr sz="1800" kern="1200">
+                <a:solidFill>
+                  <a:schemeClr val="tx1"/>
+                </a:solidFill>
+                <a:latin typeface="+mn-lt"/>
+                <a:ea typeface="+mn-ea"/>
+                <a:cs typeface="+mn-cs"/>
+              </a:defRPr>
+            </a:lvl8pPr>
+            <a:lvl9pPr marL="3886200" indent="-228600" algn="l" defTabSz="914400" rtl="0" eaLnBrk="1" latinLnBrk="0" hangingPunct="1">
+              <a:lnSpc>
+                <a:spcPct val="90000"/>
+              </a:lnSpc>
+              <a:spcBef>
+                <a:spcPts val="500"/>
+              </a:spcBef>
+              <a:buFont typeface="Arial" panose="020B0604020202020204" pitchFamily="34" charset="0"/>
+              <a:buChar char="•"/>
+              <a:defRPr sz="1800" kern="1200">
+                <a:solidFill>
+                  <a:schemeClr val="tx1"/>
+                </a:solidFill>
+                <a:latin typeface="+mn-lt"/>
+                <a:ea typeface="+mn-ea"/>
+                <a:cs typeface="+mn-cs"/>
+              </a:defRPr>
+            </a:lvl9pPr>
+          </a:lstStyle>
+          <a:p>
+            <a:r>
+              <a:rPr lang="de-DE" sz="2400" dirty="0"/>
+              <a:t>Entwurf der Anmeldemaske</a:t>
+            </a:r>
+          </a:p>
+          <a:p>
+            <a:pPr marL="571500" indent="-571500">
+              <a:buFont typeface="+mj-lt"/>
+              <a:buAutoNum type="romanUcPeriod"/>
+            </a:pPr>
+            <a:endParaRPr lang="de-DE" dirty="0"/>
+          </a:p>
+          <a:p>
+            <a:pPr marL="514350" indent="-514350">
+              <a:buFont typeface="+mj-lt"/>
+              <a:buAutoNum type="romanUcPeriod"/>
+            </a:pPr>
+            <a:endParaRPr lang="de-DE" dirty="0"/>
+          </a:p>
+        </p:txBody>
+      </p:sp>
+      <p:pic>
+        <p:nvPicPr>
+          <p:cNvPr id="11" name="Inhaltsplatzhalter 3"/>
+          <p:cNvPicPr>
+            <a:picLocks noGrp="1" noChangeAspect="1"/>
+          </p:cNvPicPr>
+          <p:nvPr/>
+        </p:nvPicPr>
+        <p:blipFill>
+          <a:blip r:embed="rId2"/>
+          <a:stretch>
+            <a:fillRect/>
+          </a:stretch>
+        </p:blipFill>
+        <p:spPr>
+          <a:xfrm>
+            <a:off x="289151" y="2276148"/>
+            <a:ext cx="3973307" cy="2789424"/>
+          </a:xfrm>
+          <a:prstGeom prst="rect">
+            <a:avLst/>
+          </a:prstGeom>
+        </p:spPr>
+      </p:pic>
+      <p:pic>
+        <p:nvPicPr>
+          <p:cNvPr id="12" name="Inhaltsplatzhalter 3"/>
+          <p:cNvPicPr>
+            <a:picLocks noGrp="1" noChangeAspect="1"/>
+          </p:cNvPicPr>
+          <p:nvPr/>
+        </p:nvPicPr>
+        <p:blipFill rotWithShape="1">
+          <a:blip r:embed="rId3">
+            <a:extLst>
+              <a:ext uri="{28A0092B-C50C-407E-A947-70E740481C1C}">
+                <a14:useLocalDpi xmlns:a14="http://schemas.microsoft.com/office/drawing/2010/main" val="0"/>
+              </a:ext>
+            </a:extLst>
+          </a:blip>
+          <a:srcRect l="7809" r="9836" b="11171"/>
+          <a:stretch/>
+        </p:blipFill>
+        <p:spPr>
+          <a:xfrm>
+            <a:off x="4477789" y="2304207"/>
+            <a:ext cx="4223491" cy="2733306"/>
+          </a:xfrm>
+          <a:prstGeom prst="rect">
+            <a:avLst/>
+          </a:prstGeom>
+        </p:spPr>
+      </p:pic>
     </p:spTree>
     <p:extLst>
       <p:ext uri="{BB962C8B-B14F-4D97-AF65-F5344CB8AC3E}">
-        <p14:creationId xmlns:p14="http://schemas.microsoft.com/office/powerpoint/2010/main" val="3068418944"/>
+        <p14:creationId xmlns:p14="http://schemas.microsoft.com/office/powerpoint/2010/main" val="1106669652"/>
+      </p:ext>
+    </p:extLst>
+  </p:cSld>
+  <p:clrMapOvr>
+    <a:masterClrMapping/>
+  </p:clrMapOvr>
+</p:sld>
+</file>
+
+<file path=ppt/slides/slide8.xml><?xml version="1.0" encoding="utf-8"?>
+<p:sld xmlns:a="http://schemas.openxmlformats.org/drawingml/2006/main" xmlns:r="http://schemas.openxmlformats.org/officeDocument/2006/relationships" xmlns:p="http://schemas.openxmlformats.org/presentationml/2006/main">
+  <p:cSld>
+    <p:spTree>
+      <p:nvGrpSpPr>
+        <p:cNvPr id="1" name=""/>
+        <p:cNvGrpSpPr/>
+        <p:nvPr/>
+      </p:nvGrpSpPr>
+      <p:grpSpPr>
+        <a:xfrm>
+          <a:off x="0" y="0"/>
+          <a:ext cx="0" cy="0"/>
+          <a:chOff x="0" y="0"/>
+          <a:chExt cx="0" cy="0"/>
+        </a:xfrm>
+      </p:grpSpPr>
+      <p:sp>
+        <p:nvSpPr>
+          <p:cNvPr id="6" name="Inhaltsplatzhalter 5"/>
+          <p:cNvSpPr>
+            <a:spLocks noGrp="1"/>
+          </p:cNvSpPr>
+          <p:nvPr>
+            <p:ph idx="1"/>
+          </p:nvPr>
+        </p:nvSpPr>
+        <p:spPr>
+          <a:xfrm>
+            <a:off x="1091663" y="3561357"/>
+            <a:ext cx="8105151" cy="3617607"/>
+          </a:xfrm>
+        </p:spPr>
+        <p:txBody>
+          <a:bodyPr/>
+          <a:lstStyle/>
+          <a:p>
+            <a:endParaRPr lang="de-DE" sz="2400" dirty="0"/>
+          </a:p>
+          <a:p>
+            <a:endParaRPr lang="de-DE" dirty="0"/>
+          </a:p>
+          <a:p>
+            <a:pPr marL="571500" indent="-571500">
+              <a:buFont typeface="+mj-lt"/>
+              <a:buAutoNum type="romanUcPeriod"/>
+            </a:pPr>
+            <a:endParaRPr lang="de-DE" dirty="0"/>
+          </a:p>
+          <a:p>
+            <a:pPr marL="514350" indent="-514350">
+              <a:buFont typeface="+mj-lt"/>
+              <a:buAutoNum type="romanUcPeriod"/>
+            </a:pPr>
+            <a:endParaRPr lang="de-DE" dirty="0"/>
+          </a:p>
+        </p:txBody>
+      </p:sp>
+      <p:sp>
+        <p:nvSpPr>
+          <p:cNvPr id="7" name="Foliennummernplatzhalter 6"/>
+          <p:cNvSpPr>
+            <a:spLocks noGrp="1"/>
+          </p:cNvSpPr>
+          <p:nvPr>
+            <p:ph type="sldNum" sz="quarter" idx="12"/>
+          </p:nvPr>
+        </p:nvSpPr>
+        <p:spPr/>
+        <p:txBody>
+          <a:bodyPr/>
+          <a:lstStyle/>
+          <a:p>
+            <a:fld id="{9CDE1BF7-98F8-4339-9767-51328A5E8D33}" type="slidenum">
+              <a:rPr lang="de-DE" smtClean="0"/>
+              <a:t>8</a:t>
+            </a:fld>
+            <a:endParaRPr lang="de-DE"/>
+          </a:p>
+        </p:txBody>
+      </p:sp>
+      <p:sp>
+        <p:nvSpPr>
+          <p:cNvPr id="9" name="Inhaltsplatzhalter 5"/>
+          <p:cNvSpPr txBox="1">
+            <a:spLocks/>
+          </p:cNvSpPr>
+          <p:nvPr/>
+        </p:nvSpPr>
+        <p:spPr>
+          <a:xfrm>
+            <a:off x="442640" y="1637910"/>
+            <a:ext cx="8105151" cy="3617607"/>
+          </a:xfrm>
+          <a:prstGeom prst="rect">
+            <a:avLst/>
+          </a:prstGeom>
+        </p:spPr>
+        <p:txBody>
+          <a:bodyPr vert="horz" lIns="91440" tIns="45720" rIns="91440" bIns="45720" rtlCol="0">
+            <a:normAutofit/>
+          </a:bodyPr>
+          <a:lstStyle>
+            <a:lvl1pPr marL="228600" indent="-228600" algn="l" defTabSz="914400" rtl="0" eaLnBrk="1" latinLnBrk="0" hangingPunct="1">
+              <a:lnSpc>
+                <a:spcPct val="90000"/>
+              </a:lnSpc>
+              <a:spcBef>
+                <a:spcPts val="1000"/>
+              </a:spcBef>
+              <a:buFont typeface="Arial" panose="020B0604020202020204" pitchFamily="34" charset="0"/>
+              <a:buChar char="•"/>
+              <a:defRPr sz="2800" kern="1200">
+                <a:solidFill>
+                  <a:schemeClr val="tx1"/>
+                </a:solidFill>
+                <a:latin typeface="+mn-lt"/>
+                <a:ea typeface="+mn-ea"/>
+                <a:cs typeface="+mn-cs"/>
+              </a:defRPr>
+            </a:lvl1pPr>
+            <a:lvl2pPr marL="685800" indent="-228600" algn="l" defTabSz="914400" rtl="0" eaLnBrk="1" latinLnBrk="0" hangingPunct="1">
+              <a:lnSpc>
+                <a:spcPct val="90000"/>
+              </a:lnSpc>
+              <a:spcBef>
+                <a:spcPts val="500"/>
+              </a:spcBef>
+              <a:buFont typeface="Arial" panose="020B0604020202020204" pitchFamily="34" charset="0"/>
+              <a:buChar char="•"/>
+              <a:defRPr sz="2400" kern="1200">
+                <a:solidFill>
+                  <a:schemeClr val="tx1"/>
+                </a:solidFill>
+                <a:latin typeface="+mn-lt"/>
+                <a:ea typeface="+mn-ea"/>
+                <a:cs typeface="+mn-cs"/>
+              </a:defRPr>
+            </a:lvl2pPr>
+            <a:lvl3pPr marL="1143000" indent="-228600" algn="l" defTabSz="914400" rtl="0" eaLnBrk="1" latinLnBrk="0" hangingPunct="1">
+              <a:lnSpc>
+                <a:spcPct val="90000"/>
+              </a:lnSpc>
+              <a:spcBef>
+                <a:spcPts val="500"/>
+              </a:spcBef>
+              <a:buFont typeface="Arial" panose="020B0604020202020204" pitchFamily="34" charset="0"/>
+              <a:buChar char="•"/>
+              <a:defRPr sz="2000" kern="1200">
+                <a:solidFill>
+                  <a:schemeClr val="tx1"/>
+                </a:solidFill>
+                <a:latin typeface="+mn-lt"/>
+                <a:ea typeface="+mn-ea"/>
+                <a:cs typeface="+mn-cs"/>
+              </a:defRPr>
+            </a:lvl3pPr>
+            <a:lvl4pPr marL="1600200" indent="-228600" algn="l" defTabSz="914400" rtl="0" eaLnBrk="1" latinLnBrk="0" hangingPunct="1">
+              <a:lnSpc>
+                <a:spcPct val="90000"/>
+              </a:lnSpc>
+              <a:spcBef>
+                <a:spcPts val="500"/>
+              </a:spcBef>
+              <a:buFont typeface="Arial" panose="020B0604020202020204" pitchFamily="34" charset="0"/>
+              <a:buChar char="•"/>
+              <a:defRPr sz="1800" kern="1200">
+                <a:solidFill>
+                  <a:schemeClr val="tx1"/>
+                </a:solidFill>
+                <a:latin typeface="+mn-lt"/>
+                <a:ea typeface="+mn-ea"/>
+                <a:cs typeface="+mn-cs"/>
+              </a:defRPr>
+            </a:lvl4pPr>
+            <a:lvl5pPr marL="2057400" indent="-228600" algn="l" defTabSz="914400" rtl="0" eaLnBrk="1" latinLnBrk="0" hangingPunct="1">
+              <a:lnSpc>
+                <a:spcPct val="90000"/>
+              </a:lnSpc>
+              <a:spcBef>
+                <a:spcPts val="500"/>
+              </a:spcBef>
+              <a:buFont typeface="Arial" panose="020B0604020202020204" pitchFamily="34" charset="0"/>
+              <a:buChar char="•"/>
+              <a:defRPr sz="1800" kern="1200">
+                <a:solidFill>
+                  <a:schemeClr val="tx1"/>
+                </a:solidFill>
+                <a:latin typeface="+mn-lt"/>
+                <a:ea typeface="+mn-ea"/>
+                <a:cs typeface="+mn-cs"/>
+              </a:defRPr>
+            </a:lvl5pPr>
+            <a:lvl6pPr marL="2514600" indent="-228600" algn="l" defTabSz="914400" rtl="0" eaLnBrk="1" latinLnBrk="0" hangingPunct="1">
+              <a:lnSpc>
+                <a:spcPct val="90000"/>
+              </a:lnSpc>
+              <a:spcBef>
+                <a:spcPts val="500"/>
+              </a:spcBef>
+              <a:buFont typeface="Arial" panose="020B0604020202020204" pitchFamily="34" charset="0"/>
+              <a:buChar char="•"/>
+              <a:defRPr sz="1800" kern="1200">
+                <a:solidFill>
+                  <a:schemeClr val="tx1"/>
+                </a:solidFill>
+                <a:latin typeface="+mn-lt"/>
+                <a:ea typeface="+mn-ea"/>
+                <a:cs typeface="+mn-cs"/>
+              </a:defRPr>
+            </a:lvl6pPr>
+            <a:lvl7pPr marL="2971800" indent="-228600" algn="l" defTabSz="914400" rtl="0" eaLnBrk="1" latinLnBrk="0" hangingPunct="1">
+              <a:lnSpc>
+                <a:spcPct val="90000"/>
+              </a:lnSpc>
+              <a:spcBef>
+                <a:spcPts val="500"/>
+              </a:spcBef>
+              <a:buFont typeface="Arial" panose="020B0604020202020204" pitchFamily="34" charset="0"/>
+              <a:buChar char="•"/>
+              <a:defRPr sz="1800" kern="1200">
+                <a:solidFill>
+                  <a:schemeClr val="tx1"/>
+                </a:solidFill>
+                <a:latin typeface="+mn-lt"/>
+                <a:ea typeface="+mn-ea"/>
+                <a:cs typeface="+mn-cs"/>
+              </a:defRPr>
+            </a:lvl7pPr>
+            <a:lvl8pPr marL="3429000" indent="-228600" algn="l" defTabSz="914400" rtl="0" eaLnBrk="1" latinLnBrk="0" hangingPunct="1">
+              <a:lnSpc>
+                <a:spcPct val="90000"/>
+              </a:lnSpc>
+              <a:spcBef>
+                <a:spcPts val="500"/>
+              </a:spcBef>
+              <a:buFont typeface="Arial" panose="020B0604020202020204" pitchFamily="34" charset="0"/>
+              <a:buChar char="•"/>
+              <a:defRPr sz="1800" kern="1200">
+                <a:solidFill>
+                  <a:schemeClr val="tx1"/>
+                </a:solidFill>
+                <a:latin typeface="+mn-lt"/>
+                <a:ea typeface="+mn-ea"/>
+                <a:cs typeface="+mn-cs"/>
+              </a:defRPr>
+            </a:lvl8pPr>
+            <a:lvl9pPr marL="3886200" indent="-228600" algn="l" defTabSz="914400" rtl="0" eaLnBrk="1" latinLnBrk="0" hangingPunct="1">
+              <a:lnSpc>
+                <a:spcPct val="90000"/>
+              </a:lnSpc>
+              <a:spcBef>
+                <a:spcPts val="500"/>
+              </a:spcBef>
+              <a:buFont typeface="Arial" panose="020B0604020202020204" pitchFamily="34" charset="0"/>
+              <a:buChar char="•"/>
+              <a:defRPr sz="1800" kern="1200">
+                <a:solidFill>
+                  <a:schemeClr val="tx1"/>
+                </a:solidFill>
+                <a:latin typeface="+mn-lt"/>
+                <a:ea typeface="+mn-ea"/>
+                <a:cs typeface="+mn-cs"/>
+              </a:defRPr>
+            </a:lvl9pPr>
+          </a:lstStyle>
+          <a:p>
+            <a:pPr marL="0" indent="0">
+              <a:buNone/>
+            </a:pPr>
+            <a:endParaRPr lang="de-DE" sz="2400" dirty="0"/>
+          </a:p>
+          <a:p>
+            <a:pPr marL="571500" indent="-571500">
+              <a:buFont typeface="+mj-lt"/>
+              <a:buAutoNum type="romanUcPeriod"/>
+            </a:pPr>
+            <a:endParaRPr lang="de-DE" dirty="0"/>
+          </a:p>
+          <a:p>
+            <a:pPr marL="514350" indent="-514350">
+              <a:buFont typeface="+mj-lt"/>
+              <a:buAutoNum type="romanUcPeriod"/>
+            </a:pPr>
+            <a:endParaRPr lang="de-DE" dirty="0"/>
+          </a:p>
+        </p:txBody>
+      </p:sp>
+      <p:pic>
+        <p:nvPicPr>
+          <p:cNvPr id="13" name="Inhaltsplatzhalter 3"/>
+          <p:cNvPicPr>
+            <a:picLocks noGrp="1" noChangeAspect="1"/>
+          </p:cNvPicPr>
+          <p:nvPr/>
+        </p:nvPicPr>
+        <p:blipFill rotWithShape="1">
+          <a:blip r:embed="rId2"/>
+          <a:srcRect l="44943" t="15834"/>
+          <a:stretch/>
+        </p:blipFill>
+        <p:spPr>
+          <a:xfrm>
+            <a:off x="2115589" y="572944"/>
+            <a:ext cx="5011189" cy="5370627"/>
+          </a:xfrm>
+          <a:prstGeom prst="rect">
+            <a:avLst/>
+          </a:prstGeom>
+        </p:spPr>
+      </p:pic>
+    </p:spTree>
+    <p:extLst>
+      <p:ext uri="{BB962C8B-B14F-4D97-AF65-F5344CB8AC3E}">
+        <p14:creationId xmlns:p14="http://schemas.microsoft.com/office/powerpoint/2010/main" val="3436670815"/>
+      </p:ext>
+    </p:extLst>
+  </p:cSld>
+  <p:clrMapOvr>
+    <a:masterClrMapping/>
+  </p:clrMapOvr>
+</p:sld>
+</file>
+
+<file path=ppt/slides/slide9.xml><?xml version="1.0" encoding="utf-8"?>
+<p:sld xmlns:a="http://schemas.openxmlformats.org/drawingml/2006/main" xmlns:r="http://schemas.openxmlformats.org/officeDocument/2006/relationships" xmlns:p="http://schemas.openxmlformats.org/presentationml/2006/main">
+  <p:cSld>
+    <p:spTree>
+      <p:nvGrpSpPr>
+        <p:cNvPr id="1" name=""/>
+        <p:cNvGrpSpPr/>
+        <p:nvPr/>
+      </p:nvGrpSpPr>
+      <p:grpSpPr>
+        <a:xfrm>
+          <a:off x="0" y="0"/>
+          <a:ext cx="0" cy="0"/>
+          <a:chOff x="0" y="0"/>
+          <a:chExt cx="0" cy="0"/>
+        </a:xfrm>
+      </p:grpSpPr>
+      <p:sp>
+        <p:nvSpPr>
+          <p:cNvPr id="6" name="Inhaltsplatzhalter 5"/>
+          <p:cNvSpPr>
+            <a:spLocks noGrp="1"/>
+          </p:cNvSpPr>
+          <p:nvPr>
+            <p:ph idx="1"/>
+          </p:nvPr>
+        </p:nvSpPr>
+        <p:spPr>
+          <a:xfrm>
+            <a:off x="1091663" y="3561357"/>
+            <a:ext cx="8105151" cy="3617607"/>
+          </a:xfrm>
+        </p:spPr>
+        <p:txBody>
+          <a:bodyPr/>
+          <a:lstStyle/>
+          <a:p>
+            <a:endParaRPr lang="de-DE" sz="2400" dirty="0"/>
+          </a:p>
+          <a:p>
+            <a:endParaRPr lang="de-DE" dirty="0"/>
+          </a:p>
+          <a:p>
+            <a:pPr marL="571500" indent="-571500">
+              <a:buFont typeface="+mj-lt"/>
+              <a:buAutoNum type="romanUcPeriod"/>
+            </a:pPr>
+            <a:endParaRPr lang="de-DE" dirty="0"/>
+          </a:p>
+          <a:p>
+            <a:pPr marL="514350" indent="-514350">
+              <a:buFont typeface="+mj-lt"/>
+              <a:buAutoNum type="romanUcPeriod"/>
+            </a:pPr>
+            <a:endParaRPr lang="de-DE" dirty="0"/>
+          </a:p>
+        </p:txBody>
+      </p:sp>
+      <p:sp>
+        <p:nvSpPr>
+          <p:cNvPr id="7" name="Foliennummernplatzhalter 6"/>
+          <p:cNvSpPr>
+            <a:spLocks noGrp="1"/>
+          </p:cNvSpPr>
+          <p:nvPr>
+            <p:ph type="sldNum" sz="quarter" idx="12"/>
+          </p:nvPr>
+        </p:nvSpPr>
+        <p:spPr/>
+        <p:txBody>
+          <a:bodyPr/>
+          <a:lstStyle/>
+          <a:p>
+            <a:fld id="{9CDE1BF7-98F8-4339-9767-51328A5E8D33}" type="slidenum">
+              <a:rPr lang="de-DE" smtClean="0"/>
+              <a:t>9</a:t>
+            </a:fld>
+            <a:endParaRPr lang="de-DE"/>
+          </a:p>
+        </p:txBody>
+      </p:sp>
+      <p:pic>
+        <p:nvPicPr>
+          <p:cNvPr id="8" name="Inhaltsplatzhalter 3"/>
+          <p:cNvPicPr>
+            <a:picLocks noGrp="1" noChangeAspect="1"/>
+          </p:cNvPicPr>
+          <p:nvPr/>
+        </p:nvPicPr>
+        <p:blipFill rotWithShape="1">
+          <a:blip r:embed="rId2">
+            <a:extLst>
+              <a:ext uri="{28A0092B-C50C-407E-A947-70E740481C1C}">
+                <a14:useLocalDpi xmlns:a14="http://schemas.microsoft.com/office/drawing/2010/main" val="0"/>
+              </a:ext>
+            </a:extLst>
+          </a:blip>
+          <a:srcRect l="10466" t="1569" r="9354" b="9866"/>
+          <a:stretch/>
+        </p:blipFill>
+        <p:spPr>
+          <a:xfrm>
+            <a:off x="689608" y="752740"/>
+            <a:ext cx="7764784" cy="5146123"/>
+          </a:xfrm>
+          <a:prstGeom prst="rect">
+            <a:avLst/>
+          </a:prstGeom>
+        </p:spPr>
+      </p:pic>
+    </p:spTree>
+    <p:extLst>
+      <p:ext uri="{BB962C8B-B14F-4D97-AF65-F5344CB8AC3E}">
+        <p14:creationId xmlns:p14="http://schemas.microsoft.com/office/powerpoint/2010/main" val="33184685"/>
       </p:ext>
     </p:extLst>
   </p:cSld>

--- a/Präsentation/Präsentation Gruppe 2.pptx
+++ b/Präsentation/Präsentation Gruppe 2.pptx
@@ -206,7 +206,7 @@
           <a:p>
             <a:fld id="{07BB8642-CDF3-45D6-9755-4E7664DE68ED}" type="datetimeFigureOut">
               <a:rPr lang="de-DE" smtClean="0"/>
-              <a:t>02.04.2017</a:t>
+              <a:t>03.04.2017</a:t>
             </a:fld>
             <a:endParaRPr lang="de-DE"/>
           </a:p>
@@ -751,7 +751,7 @@
           <a:p>
             <a:fld id="{B963AB3E-E22F-4644-A08F-21A1907EB07C}" type="datetime1">
               <a:rPr lang="de-DE" smtClean="0"/>
-              <a:t>02.04.2017</a:t>
+              <a:t>03.04.2017</a:t>
             </a:fld>
             <a:endParaRPr lang="de-DE"/>
           </a:p>
@@ -921,7 +921,7 @@
           <a:p>
             <a:fld id="{0B09E0E7-F097-4EB4-9156-3C04E83A9960}" type="datetime1">
               <a:rPr lang="de-DE" smtClean="0"/>
-              <a:t>02.04.2017</a:t>
+              <a:t>03.04.2017</a:t>
             </a:fld>
             <a:endParaRPr lang="de-DE"/>
           </a:p>
@@ -1101,7 +1101,7 @@
           <a:p>
             <a:fld id="{EFD21B16-3240-42F4-A227-EE762AEF79FC}" type="datetime1">
               <a:rPr lang="de-DE" smtClean="0"/>
-              <a:t>02.04.2017</a:t>
+              <a:t>03.04.2017</a:t>
             </a:fld>
             <a:endParaRPr lang="de-DE"/>
           </a:p>
@@ -1271,7 +1271,7 @@
           <a:p>
             <a:fld id="{11F27AD4-71C3-4637-B6EA-7BAC332326B1}" type="datetime1">
               <a:rPr lang="de-DE" smtClean="0"/>
-              <a:t>02.04.2017</a:t>
+              <a:t>03.04.2017</a:t>
             </a:fld>
             <a:endParaRPr lang="de-DE"/>
           </a:p>
@@ -1515,7 +1515,7 @@
           <a:p>
             <a:fld id="{22B3F217-E3C5-42BD-AC58-5446EB37E0CF}" type="datetime1">
               <a:rPr lang="de-DE" smtClean="0"/>
-              <a:t>02.04.2017</a:t>
+              <a:t>03.04.2017</a:t>
             </a:fld>
             <a:endParaRPr lang="de-DE"/>
           </a:p>
@@ -1747,7 +1747,7 @@
           <a:p>
             <a:fld id="{E6B453F8-7CAE-498D-933C-4CCD1A01F8C8}" type="datetime1">
               <a:rPr lang="de-DE" smtClean="0"/>
-              <a:t>02.04.2017</a:t>
+              <a:t>03.04.2017</a:t>
             </a:fld>
             <a:endParaRPr lang="de-DE"/>
           </a:p>
@@ -2114,7 +2114,7 @@
           <a:p>
             <a:fld id="{EC4B3CE6-574A-4557-B8D4-3D062E321FEC}" type="datetime1">
               <a:rPr lang="de-DE" smtClean="0"/>
-              <a:t>02.04.2017</a:t>
+              <a:t>03.04.2017</a:t>
             </a:fld>
             <a:endParaRPr lang="de-DE"/>
           </a:p>
@@ -2232,7 +2232,7 @@
           <a:p>
             <a:fld id="{913CAE68-16AE-47DD-8FD9-53F030678557}" type="datetime1">
               <a:rPr lang="de-DE" smtClean="0"/>
-              <a:t>02.04.2017</a:t>
+              <a:t>03.04.2017</a:t>
             </a:fld>
             <a:endParaRPr lang="de-DE"/>
           </a:p>
@@ -2327,7 +2327,7 @@
           <a:p>
             <a:fld id="{A05E3000-B9DE-44B0-83EF-18AA88FA4468}" type="datetime1">
               <a:rPr lang="de-DE" smtClean="0"/>
-              <a:t>02.04.2017</a:t>
+              <a:t>03.04.2017</a:t>
             </a:fld>
             <a:endParaRPr lang="de-DE"/>
           </a:p>
@@ -2604,7 +2604,7 @@
           <a:p>
             <a:fld id="{8791F026-B1E1-4C78-9D75-F1B0AF03F9EB}" type="datetime1">
               <a:rPr lang="de-DE" smtClean="0"/>
-              <a:t>02.04.2017</a:t>
+              <a:t>03.04.2017</a:t>
             </a:fld>
             <a:endParaRPr lang="de-DE"/>
           </a:p>
@@ -2861,7 +2861,7 @@
           <a:p>
             <a:fld id="{82BE1A36-7C94-48D4-A060-67B6C5132B30}" type="datetime1">
               <a:rPr lang="de-DE" smtClean="0"/>
-              <a:t>02.04.2017</a:t>
+              <a:t>03.04.2017</a:t>
             </a:fld>
             <a:endParaRPr lang="de-DE"/>
           </a:p>
@@ -3083,7 +3083,7 @@
           <a:p>
             <a:fld id="{3286DE94-5723-4024-B8D4-337FB6768B9A}" type="datetime1">
               <a:rPr lang="de-DE" smtClean="0"/>
-              <a:t>02.04.2017</a:t>
+              <a:t>03.04.2017</a:t>
             </a:fld>
             <a:endParaRPr lang="de-DE"/>
           </a:p>
@@ -4060,8 +4060,8 @@
         </p:nvSpPr>
         <p:spPr>
           <a:xfrm>
-            <a:off x="492806" y="1890537"/>
-            <a:ext cx="8105151" cy="3617607"/>
+            <a:off x="492806" y="1890538"/>
+            <a:ext cx="8105151" cy="2381212"/>
           </a:xfrm>
         </p:spPr>
         <p:txBody>
@@ -4106,7 +4106,15 @@
           <a:p>
             <a:r>
               <a:rPr lang="de-DE" sz="2400" dirty="0"/>
-              <a:t>Ist heute unter www.yaaw.de und im Android-Store verfügbar</a:t>
+              <a:t>Ist heute unter yaaw.de und im Google </a:t>
+            </a:r>
+            <a:r>
+              <a:rPr lang="de-DE" sz="2400" dirty="0" err="1"/>
+              <a:t>Appstore</a:t>
+            </a:r>
+            <a:r>
+              <a:rPr lang="de-DE" sz="2400" dirty="0"/>
+              <a:t> verfügbar</a:t>
             </a:r>
           </a:p>
           <a:p>
@@ -4163,7 +4171,7 @@
           <p:nvPr/>
         </p:nvPicPr>
         <p:blipFill>
-          <a:blip r:embed="rId2">
+          <a:blip r:embed="rId3">
             <a:extLst>
               <a:ext uri="{28A0092B-C50C-407E-A947-70E740481C1C}">
                 <a14:useLocalDpi xmlns:a14="http://schemas.microsoft.com/office/drawing/2010/main" val="0"/>
@@ -4176,7 +4184,7 @@
         </p:blipFill>
         <p:spPr>
           <a:xfrm>
-            <a:off x="3613522" y="4051883"/>
+            <a:off x="602032" y="3914649"/>
             <a:ext cx="1863721" cy="1863721"/>
           </a:xfrm>
           <a:prstGeom prst="rect">
@@ -4213,6 +4221,36 @@
           </a:p>
         </p:txBody>
       </p:sp>
+      <p:pic>
+        <p:nvPicPr>
+          <p:cNvPr id="9" name="Grafik 8"/>
+          <p:cNvPicPr>
+            <a:picLocks noChangeAspect="1"/>
+          </p:cNvPicPr>
+          <p:nvPr/>
+        </p:nvPicPr>
+        <p:blipFill>
+          <a:blip r:embed="rId4">
+            <a:extLst>
+              <a:ext uri="{28A0092B-C50C-407E-A947-70E740481C1C}">
+                <a14:useLocalDpi xmlns:a14="http://schemas.microsoft.com/office/drawing/2010/main" val="0"/>
+              </a:ext>
+            </a:extLst>
+          </a:blip>
+          <a:stretch>
+            <a:fillRect/>
+          </a:stretch>
+        </p:blipFill>
+        <p:spPr>
+          <a:xfrm>
+            <a:off x="6687785" y="4047646"/>
+            <a:ext cx="1597729" cy="1597729"/>
+          </a:xfrm>
+          <a:prstGeom prst="rect">
+            <a:avLst/>
+          </a:prstGeom>
+        </p:spPr>
+      </p:pic>
     </p:spTree>
     <p:extLst>
       <p:ext uri="{BB962C8B-B14F-4D97-AF65-F5344CB8AC3E}">

--- a/Präsentation/Präsentation Gruppe 2.pptx
+++ b/Präsentation/Präsentation Gruppe 2.pptx
@@ -13,8 +13,8 @@
     <p:sldId id="259" r:id="rId4"/>
     <p:sldId id="262" r:id="rId5"/>
     <p:sldId id="260" r:id="rId6"/>
-    <p:sldId id="261" r:id="rId7"/>
-    <p:sldId id="263" r:id="rId8"/>
+    <p:sldId id="263" r:id="rId7"/>
+    <p:sldId id="269" r:id="rId8"/>
     <p:sldId id="264" r:id="rId9"/>
     <p:sldId id="265" r:id="rId10"/>
     <p:sldId id="266" r:id="rId11"/>
@@ -518,7 +518,7 @@
           <a:lstStyle/>
           <a:p>
             <a:r>
-              <a:rPr lang="de-DE" sz="1200" b="1" kern="1200" dirty="0">
+              <a:rPr lang="de-DE" sz="1200" b="1" kern="1200" dirty="0" smtClean="0">
                 <a:solidFill>
                   <a:schemeClr val="tx1"/>
                 </a:solidFill>
@@ -530,7 +530,7 @@
               <a:t>User Story Andreas Müller</a:t>
             </a:r>
             <a:br>
-              <a:rPr lang="de-DE" sz="1200" b="1" kern="1200" dirty="0">
+              <a:rPr lang="de-DE" sz="1200" b="1" kern="1200" dirty="0" smtClean="0">
                 <a:solidFill>
                   <a:schemeClr val="tx1"/>
                 </a:solidFill>
@@ -540,7 +540,7 @@
                 <a:cs typeface="+mn-cs"/>
               </a:rPr>
             </a:br>
-            <a:endParaRPr lang="de-DE" sz="1200" b="1" kern="1200" dirty="0">
+            <a:endParaRPr lang="de-DE" sz="1200" b="1" kern="1200" dirty="0" smtClean="0">
               <a:solidFill>
                 <a:schemeClr val="tx1"/>
               </a:solidFill>
@@ -552,7 +552,7 @@
           </a:p>
           <a:p>
             <a:r>
-              <a:rPr lang="de-DE" sz="1200" kern="1200" dirty="0">
+              <a:rPr lang="de-DE" sz="1200" kern="1200" dirty="0" smtClean="0">
                 <a:solidFill>
                   <a:schemeClr val="tx1"/>
                 </a:solidFill>
@@ -567,7 +567,7 @@
           <a:p>
             <a:pPr lvl="0"/>
             <a:r>
-              <a:rPr lang="de-DE" sz="1200" kern="1200" dirty="0">
+              <a:rPr lang="de-DE" sz="1200" kern="1200" dirty="0" smtClean="0">
                 <a:solidFill>
                   <a:schemeClr val="tx1"/>
                 </a:solidFill>
@@ -580,6 +580,9 @@
             </a:r>
           </a:p>
           <a:p>
+            <a:endParaRPr lang="de-DE" dirty="0" smtClean="0"/>
+          </a:p>
+          <a:p>
             <a:endParaRPr lang="de-DE" dirty="0"/>
           </a:p>
         </p:txBody>
@@ -601,7 +604,7 @@
           <a:p>
             <a:fld id="{027154C5-65B5-48B3-B278-9C20A192C269}" type="slidenum">
               <a:rPr lang="de-DE" smtClean="0"/>
-              <a:t>6</a:t>
+              <a:t>5</a:t>
             </a:fld>
             <a:endParaRPr lang="de-DE"/>
           </a:p>
@@ -610,7 +613,7 @@
     </p:spTree>
     <p:extLst>
       <p:ext uri="{BB962C8B-B14F-4D97-AF65-F5344CB8AC3E}">
-        <p14:creationId xmlns:p14="http://schemas.microsoft.com/office/powerpoint/2010/main" val="1185367282"/>
+        <p14:creationId xmlns:p14="http://schemas.microsoft.com/office/powerpoint/2010/main" val="121143309"/>
       </p:ext>
     </p:extLst>
   </p:cSld>
@@ -3695,6 +3698,13 @@
   <p:clrMapOvr>
     <a:masterClrMapping/>
   </p:clrMapOvr>
+  <p:timing>
+    <p:tnLst>
+      <p:par>
+        <p:cTn id="1" dur="indefinite" restart="never" nodeType="tmRoot"/>
+      </p:par>
+    </p:tnLst>
+  </p:timing>
 </p:sld>
 </file>
 
@@ -3948,12 +3958,16 @@
               <a:t>Grundidee war ein einfacher </a:t>
             </a:r>
             <a:r>
-              <a:rPr lang="de-DE" sz="2400" dirty="0" err="1"/>
+              <a:rPr lang="de-DE" sz="2400" dirty="0" err="1" smtClean="0"/>
               <a:t>Pricetracker</a:t>
             </a:r>
             <a:r>
+              <a:rPr lang="de-DE" sz="2400" dirty="0" smtClean="0"/>
+              <a:t> </a:t>
+            </a:r>
+            <a:r>
               <a:rPr lang="de-DE" sz="2400" dirty="0"/>
-              <a:t> für Webshops</a:t>
+              <a:t>für Webshops</a:t>
             </a:r>
           </a:p>
           <a:p>
@@ -4171,7 +4185,7 @@
           <p:nvPr/>
         </p:nvPicPr>
         <p:blipFill>
-          <a:blip r:embed="rId3">
+          <a:blip r:embed="rId2">
             <a:extLst>
               <a:ext uri="{28A0092B-C50C-407E-A947-70E740481C1C}">
                 <a14:useLocalDpi xmlns:a14="http://schemas.microsoft.com/office/drawing/2010/main" val="0"/>
@@ -4230,7 +4244,7 @@
           <p:nvPr/>
         </p:nvPicPr>
         <p:blipFill>
-          <a:blip r:embed="rId4">
+          <a:blip r:embed="rId3">
             <a:extLst>
               <a:ext uri="{28A0092B-C50C-407E-A947-70E740481C1C}">
                 <a14:useLocalDpi xmlns:a14="http://schemas.microsoft.com/office/drawing/2010/main" val="0"/>
@@ -4261,6 +4275,13 @@
   <p:clrMapOvr>
     <a:masterClrMapping/>
   </p:clrMapOvr>
+  <p:timing>
+    <p:tnLst>
+      <p:par>
+        <p:cTn id="1" dur="indefinite" restart="never" nodeType="tmRoot"/>
+      </p:par>
+    </p:tnLst>
+  </p:timing>
 </p:sld>
 </file>
 
@@ -4368,9 +4389,10 @@
           <a:lstStyle/>
           <a:p>
             <a:r>
-              <a:rPr lang="de-DE" sz="4000" dirty="0"/>
-              <a:t>Persona</a:t>
-            </a:r>
+              <a:rPr lang="de-DE" sz="4000" dirty="0" smtClean="0"/>
+              <a:t>Persona und User Story</a:t>
+            </a:r>
+            <a:endParaRPr lang="de-DE" sz="4000" dirty="0"/>
           </a:p>
         </p:txBody>
       </p:sp>
@@ -4383,7 +4405,7 @@
           <p:nvPr/>
         </p:nvPicPr>
         <p:blipFill>
-          <a:blip r:embed="rId2">
+          <a:blip r:embed="rId3">
             <a:extLst>
               <a:ext uri="{28A0092B-C50C-407E-A947-70E740481C1C}">
                 <a14:useLocalDpi xmlns:a14="http://schemas.microsoft.com/office/drawing/2010/main" val="0"/>
@@ -4397,19 +4419,42 @@
         </p:blipFill>
         <p:spPr bwMode="auto">
           <a:xfrm>
-            <a:off x="5680465" y="3930842"/>
+            <a:off x="1119679" y="1587878"/>
             <a:ext cx="2027842" cy="2027842"/>
           </a:xfrm>
           <a:prstGeom prst="rect">
             <a:avLst/>
           </a:prstGeom>
-          <a:noFill/>
-          <a:ln>
-            <a:noFill/>
+          <a:solidFill>
+            <a:srgbClr val="FFFFFF">
+              <a:shade val="85000"/>
+            </a:srgbClr>
+          </a:solidFill>
+          <a:ln w="88900" cap="sq">
+            <a:solidFill>
+              <a:srgbClr val="FFFFFF"/>
+            </a:solidFill>
+            <a:miter lim="800000"/>
           </a:ln>
           <a:effectLst>
-            <a:softEdge rad="114300"/>
+            <a:outerShdw blurRad="55000" dist="18000" dir="5400000" algn="tl" rotWithShape="0">
+              <a:srgbClr val="000000">
+                <a:alpha val="40000"/>
+              </a:srgbClr>
+            </a:outerShdw>
           </a:effectLst>
+          <a:scene3d>
+            <a:camera prst="orthographicFront"/>
+            <a:lightRig rig="twoPt" dir="t">
+              <a:rot lat="0" lon="0" rev="7200000"/>
+            </a:lightRig>
+          </a:scene3d>
+          <a:sp3d>
+            <a:bevelT w="25400" h="19050"/>
+            <a:contourClr>
+              <a:srgbClr val="FFFFFF"/>
+            </a:contourClr>
+          </a:sp3d>
           <a:extLst>
             <a:ext uri="{909E8E84-426E-40DD-AFC4-6F175D3DCCD1}">
               <a14:hiddenFill xmlns:a14="http://schemas.microsoft.com/office/drawing/2010/main">
@@ -4431,6 +4476,421 @@
           </a:extLst>
         </p:spPr>
       </p:pic>
+      <p:sp>
+        <p:nvSpPr>
+          <p:cNvPr id="9" name="Inhaltsplatzhalter 5"/>
+          <p:cNvSpPr txBox="1">
+            <a:spLocks/>
+          </p:cNvSpPr>
+          <p:nvPr/>
+        </p:nvSpPr>
+        <p:spPr>
+          <a:xfrm>
+            <a:off x="3294956" y="1671667"/>
+            <a:ext cx="5334036" cy="2011553"/>
+          </a:xfrm>
+          <a:prstGeom prst="rect">
+            <a:avLst/>
+          </a:prstGeom>
+        </p:spPr>
+        <p:txBody>
+          <a:bodyPr vert="horz" lIns="91440" tIns="45720" rIns="91440" bIns="45720" rtlCol="0">
+            <a:normAutofit lnSpcReduction="10000"/>
+          </a:bodyPr>
+          <a:lstStyle>
+            <a:lvl1pPr marL="228600" indent="-228600" algn="l" defTabSz="914400" rtl="0" eaLnBrk="1" latinLnBrk="0" hangingPunct="1">
+              <a:lnSpc>
+                <a:spcPct val="90000"/>
+              </a:lnSpc>
+              <a:spcBef>
+                <a:spcPts val="1000"/>
+              </a:spcBef>
+              <a:buFont typeface="Arial" panose="020B0604020202020204" pitchFamily="34" charset="0"/>
+              <a:buChar char="•"/>
+              <a:defRPr sz="2800" kern="1200">
+                <a:solidFill>
+                  <a:schemeClr val="tx1"/>
+                </a:solidFill>
+                <a:latin typeface="+mn-lt"/>
+                <a:ea typeface="+mn-ea"/>
+                <a:cs typeface="+mn-cs"/>
+              </a:defRPr>
+            </a:lvl1pPr>
+            <a:lvl2pPr marL="685800" indent="-228600" algn="l" defTabSz="914400" rtl="0" eaLnBrk="1" latinLnBrk="0" hangingPunct="1">
+              <a:lnSpc>
+                <a:spcPct val="90000"/>
+              </a:lnSpc>
+              <a:spcBef>
+                <a:spcPts val="500"/>
+              </a:spcBef>
+              <a:buFont typeface="Arial" panose="020B0604020202020204" pitchFamily="34" charset="0"/>
+              <a:buChar char="•"/>
+              <a:defRPr sz="2400" kern="1200">
+                <a:solidFill>
+                  <a:schemeClr val="tx1"/>
+                </a:solidFill>
+                <a:latin typeface="+mn-lt"/>
+                <a:ea typeface="+mn-ea"/>
+                <a:cs typeface="+mn-cs"/>
+              </a:defRPr>
+            </a:lvl2pPr>
+            <a:lvl3pPr marL="1143000" indent="-228600" algn="l" defTabSz="914400" rtl="0" eaLnBrk="1" latinLnBrk="0" hangingPunct="1">
+              <a:lnSpc>
+                <a:spcPct val="90000"/>
+              </a:lnSpc>
+              <a:spcBef>
+                <a:spcPts val="500"/>
+              </a:spcBef>
+              <a:buFont typeface="Arial" panose="020B0604020202020204" pitchFamily="34" charset="0"/>
+              <a:buChar char="•"/>
+              <a:defRPr sz="2000" kern="1200">
+                <a:solidFill>
+                  <a:schemeClr val="tx1"/>
+                </a:solidFill>
+                <a:latin typeface="+mn-lt"/>
+                <a:ea typeface="+mn-ea"/>
+                <a:cs typeface="+mn-cs"/>
+              </a:defRPr>
+            </a:lvl3pPr>
+            <a:lvl4pPr marL="1600200" indent="-228600" algn="l" defTabSz="914400" rtl="0" eaLnBrk="1" latinLnBrk="0" hangingPunct="1">
+              <a:lnSpc>
+                <a:spcPct val="90000"/>
+              </a:lnSpc>
+              <a:spcBef>
+                <a:spcPts val="500"/>
+              </a:spcBef>
+              <a:buFont typeface="Arial" panose="020B0604020202020204" pitchFamily="34" charset="0"/>
+              <a:buChar char="•"/>
+              <a:defRPr sz="1800" kern="1200">
+                <a:solidFill>
+                  <a:schemeClr val="tx1"/>
+                </a:solidFill>
+                <a:latin typeface="+mn-lt"/>
+                <a:ea typeface="+mn-ea"/>
+                <a:cs typeface="+mn-cs"/>
+              </a:defRPr>
+            </a:lvl4pPr>
+            <a:lvl5pPr marL="2057400" indent="-228600" algn="l" defTabSz="914400" rtl="0" eaLnBrk="1" latinLnBrk="0" hangingPunct="1">
+              <a:lnSpc>
+                <a:spcPct val="90000"/>
+              </a:lnSpc>
+              <a:spcBef>
+                <a:spcPts val="500"/>
+              </a:spcBef>
+              <a:buFont typeface="Arial" panose="020B0604020202020204" pitchFamily="34" charset="0"/>
+              <a:buChar char="•"/>
+              <a:defRPr sz="1800" kern="1200">
+                <a:solidFill>
+                  <a:schemeClr val="tx1"/>
+                </a:solidFill>
+                <a:latin typeface="+mn-lt"/>
+                <a:ea typeface="+mn-ea"/>
+                <a:cs typeface="+mn-cs"/>
+              </a:defRPr>
+            </a:lvl5pPr>
+            <a:lvl6pPr marL="2514600" indent="-228600" algn="l" defTabSz="914400" rtl="0" eaLnBrk="1" latinLnBrk="0" hangingPunct="1">
+              <a:lnSpc>
+                <a:spcPct val="90000"/>
+              </a:lnSpc>
+              <a:spcBef>
+                <a:spcPts val="500"/>
+              </a:spcBef>
+              <a:buFont typeface="Arial" panose="020B0604020202020204" pitchFamily="34" charset="0"/>
+              <a:buChar char="•"/>
+              <a:defRPr sz="1800" kern="1200">
+                <a:solidFill>
+                  <a:schemeClr val="tx1"/>
+                </a:solidFill>
+                <a:latin typeface="+mn-lt"/>
+                <a:ea typeface="+mn-ea"/>
+                <a:cs typeface="+mn-cs"/>
+              </a:defRPr>
+            </a:lvl6pPr>
+            <a:lvl7pPr marL="2971800" indent="-228600" algn="l" defTabSz="914400" rtl="0" eaLnBrk="1" latinLnBrk="0" hangingPunct="1">
+              <a:lnSpc>
+                <a:spcPct val="90000"/>
+              </a:lnSpc>
+              <a:spcBef>
+                <a:spcPts val="500"/>
+              </a:spcBef>
+              <a:buFont typeface="Arial" panose="020B0604020202020204" pitchFamily="34" charset="0"/>
+              <a:buChar char="•"/>
+              <a:defRPr sz="1800" kern="1200">
+                <a:solidFill>
+                  <a:schemeClr val="tx1"/>
+                </a:solidFill>
+                <a:latin typeface="+mn-lt"/>
+                <a:ea typeface="+mn-ea"/>
+                <a:cs typeface="+mn-cs"/>
+              </a:defRPr>
+            </a:lvl7pPr>
+            <a:lvl8pPr marL="3429000" indent="-228600" algn="l" defTabSz="914400" rtl="0" eaLnBrk="1" latinLnBrk="0" hangingPunct="1">
+              <a:lnSpc>
+                <a:spcPct val="90000"/>
+              </a:lnSpc>
+              <a:spcBef>
+                <a:spcPts val="500"/>
+              </a:spcBef>
+              <a:buFont typeface="Arial" panose="020B0604020202020204" pitchFamily="34" charset="0"/>
+              <a:buChar char="•"/>
+              <a:defRPr sz="1800" kern="1200">
+                <a:solidFill>
+                  <a:schemeClr val="tx1"/>
+                </a:solidFill>
+                <a:latin typeface="+mn-lt"/>
+                <a:ea typeface="+mn-ea"/>
+                <a:cs typeface="+mn-cs"/>
+              </a:defRPr>
+            </a:lvl8pPr>
+            <a:lvl9pPr marL="3886200" indent="-228600" algn="l" defTabSz="914400" rtl="0" eaLnBrk="1" latinLnBrk="0" hangingPunct="1">
+              <a:lnSpc>
+                <a:spcPct val="90000"/>
+              </a:lnSpc>
+              <a:spcBef>
+                <a:spcPts val="500"/>
+              </a:spcBef>
+              <a:buFont typeface="Arial" panose="020B0604020202020204" pitchFamily="34" charset="0"/>
+              <a:buChar char="•"/>
+              <a:defRPr sz="1800" kern="1200">
+                <a:solidFill>
+                  <a:schemeClr val="tx1"/>
+                </a:solidFill>
+                <a:latin typeface="+mn-lt"/>
+                <a:ea typeface="+mn-ea"/>
+                <a:cs typeface="+mn-cs"/>
+              </a:defRPr>
+            </a:lvl9pPr>
+          </a:lstStyle>
+          <a:p>
+            <a:pPr marL="0" indent="0">
+              <a:buNone/>
+            </a:pPr>
+            <a:r>
+              <a:rPr lang="de-DE" sz="2000" dirty="0"/>
+              <a:t>Andreas Müller der preisbewusste Familienvater</a:t>
+            </a:r>
+          </a:p>
+          <a:p>
+            <a:pPr lvl="1"/>
+            <a:r>
+              <a:rPr lang="de-DE" sz="2000" dirty="0"/>
+              <a:t>Technisch kaum versiert</a:t>
+            </a:r>
+          </a:p>
+          <a:p>
+            <a:pPr lvl="1"/>
+            <a:r>
+              <a:rPr lang="de-DE" sz="2000" dirty="0"/>
+              <a:t>Wenig Onlineerfahrung</a:t>
+            </a:r>
+          </a:p>
+          <a:p>
+            <a:pPr lvl="1"/>
+            <a:r>
+              <a:rPr lang="de-DE" sz="2000" dirty="0"/>
+              <a:t>Beschäftigt sich kaum mit Shops</a:t>
+            </a:r>
+          </a:p>
+          <a:p>
+            <a:pPr lvl="1"/>
+            <a:r>
+              <a:rPr lang="de-DE" sz="2000" dirty="0"/>
+              <a:t>Auf neue Funktionen legt er keinen Wert </a:t>
+            </a:r>
+          </a:p>
+          <a:p>
+            <a:pPr lvl="1"/>
+            <a:r>
+              <a:rPr lang="de-DE" sz="2000" dirty="0"/>
+              <a:t>Typischer „DAU</a:t>
+            </a:r>
+            <a:r>
+              <a:rPr lang="de-DE" sz="2000" dirty="0" smtClean="0"/>
+              <a:t>“</a:t>
+            </a:r>
+            <a:endParaRPr lang="de-DE" dirty="0"/>
+          </a:p>
+          <a:p>
+            <a:pPr marL="571500" indent="-571500">
+              <a:buFont typeface="+mj-lt"/>
+              <a:buAutoNum type="romanUcPeriod"/>
+            </a:pPr>
+            <a:endParaRPr lang="de-DE" dirty="0"/>
+          </a:p>
+          <a:p>
+            <a:pPr marL="514350" indent="-514350">
+              <a:buFont typeface="+mj-lt"/>
+              <a:buAutoNum type="romanUcPeriod"/>
+            </a:pPr>
+            <a:endParaRPr lang="de-DE" dirty="0"/>
+          </a:p>
+        </p:txBody>
+      </p:sp>
+      <p:pic>
+        <p:nvPicPr>
+          <p:cNvPr id="10" name="Grafik 9"/>
+          <p:cNvPicPr>
+            <a:picLocks noChangeAspect="1"/>
+          </p:cNvPicPr>
+          <p:nvPr/>
+        </p:nvPicPr>
+        <p:blipFill>
+          <a:blip r:embed="rId4">
+            <a:extLst>
+              <a:ext uri="{28A0092B-C50C-407E-A947-70E740481C1C}">
+                <a14:useLocalDpi xmlns:a14="http://schemas.microsoft.com/office/drawing/2010/main" val="0"/>
+              </a:ext>
+            </a:extLst>
+          </a:blip>
+          <a:stretch>
+            <a:fillRect/>
+          </a:stretch>
+        </p:blipFill>
+        <p:spPr>
+          <a:xfrm>
+            <a:off x="1068540" y="3487785"/>
+            <a:ext cx="3221414" cy="2608006"/>
+          </a:xfrm>
+          <a:prstGeom prst="rect">
+            <a:avLst/>
+          </a:prstGeom>
+        </p:spPr>
+      </p:pic>
+    </p:spTree>
+    <p:extLst>
+      <p:ext uri="{BB962C8B-B14F-4D97-AF65-F5344CB8AC3E}">
+        <p14:creationId xmlns:p14="http://schemas.microsoft.com/office/powerpoint/2010/main" val="295717713"/>
+      </p:ext>
+    </p:extLst>
+  </p:cSld>
+  <p:clrMapOvr>
+    <a:masterClrMapping/>
+  </p:clrMapOvr>
+  <p:timing>
+    <p:tnLst>
+      <p:par>
+        <p:cTn id="1" dur="indefinite" restart="never" nodeType="tmRoot"/>
+      </p:par>
+    </p:tnLst>
+  </p:timing>
+</p:sld>
+</file>
+
+<file path=ppt/slides/slide6.xml><?xml version="1.0" encoding="utf-8"?>
+<p:sld xmlns:a="http://schemas.openxmlformats.org/drawingml/2006/main" xmlns:r="http://schemas.openxmlformats.org/officeDocument/2006/relationships" xmlns:p="http://schemas.openxmlformats.org/presentationml/2006/main">
+  <p:cSld>
+    <p:spTree>
+      <p:nvGrpSpPr>
+        <p:cNvPr id="1" name=""/>
+        <p:cNvGrpSpPr/>
+        <p:nvPr/>
+      </p:nvGrpSpPr>
+      <p:grpSpPr>
+        <a:xfrm>
+          <a:off x="0" y="0"/>
+          <a:ext cx="0" cy="0"/>
+          <a:chOff x="0" y="0"/>
+          <a:chExt cx="0" cy="0"/>
+        </a:xfrm>
+      </p:grpSpPr>
+      <p:sp>
+        <p:nvSpPr>
+          <p:cNvPr id="6" name="Inhaltsplatzhalter 5"/>
+          <p:cNvSpPr>
+            <a:spLocks noGrp="1"/>
+          </p:cNvSpPr>
+          <p:nvPr>
+            <p:ph idx="1"/>
+          </p:nvPr>
+        </p:nvSpPr>
+        <p:spPr>
+          <a:xfrm>
+            <a:off x="1091663" y="3561357"/>
+            <a:ext cx="8105151" cy="3617607"/>
+          </a:xfrm>
+        </p:spPr>
+        <p:txBody>
+          <a:bodyPr/>
+          <a:lstStyle/>
+          <a:p>
+            <a:endParaRPr lang="de-DE" sz="2400" dirty="0"/>
+          </a:p>
+          <a:p>
+            <a:endParaRPr lang="de-DE" dirty="0"/>
+          </a:p>
+          <a:p>
+            <a:pPr marL="571500" indent="-571500">
+              <a:buFont typeface="+mj-lt"/>
+              <a:buAutoNum type="romanUcPeriod"/>
+            </a:pPr>
+            <a:endParaRPr lang="de-DE" dirty="0"/>
+          </a:p>
+          <a:p>
+            <a:pPr marL="514350" indent="-514350">
+              <a:buFont typeface="+mj-lt"/>
+              <a:buAutoNum type="romanUcPeriod"/>
+            </a:pPr>
+            <a:endParaRPr lang="de-DE" dirty="0"/>
+          </a:p>
+        </p:txBody>
+      </p:sp>
+      <p:sp>
+        <p:nvSpPr>
+          <p:cNvPr id="7" name="Foliennummernplatzhalter 6"/>
+          <p:cNvSpPr>
+            <a:spLocks noGrp="1"/>
+          </p:cNvSpPr>
+          <p:nvPr>
+            <p:ph type="sldNum" sz="quarter" idx="12"/>
+          </p:nvPr>
+        </p:nvSpPr>
+        <p:spPr/>
+        <p:txBody>
+          <a:bodyPr/>
+          <a:lstStyle/>
+          <a:p>
+            <a:fld id="{9CDE1BF7-98F8-4339-9767-51328A5E8D33}" type="slidenum">
+              <a:rPr lang="de-DE" smtClean="0"/>
+              <a:t>6</a:t>
+            </a:fld>
+            <a:endParaRPr lang="de-DE"/>
+          </a:p>
+        </p:txBody>
+      </p:sp>
+      <p:sp>
+        <p:nvSpPr>
+          <p:cNvPr id="8" name="Titel 4"/>
+          <p:cNvSpPr>
+            <a:spLocks noGrp="1"/>
+          </p:cNvSpPr>
+          <p:nvPr>
+            <p:ph type="title"/>
+          </p:nvPr>
+        </p:nvSpPr>
+        <p:spPr>
+          <a:xfrm>
+            <a:off x="551866" y="556782"/>
+            <a:ext cx="7886700" cy="1325563"/>
+          </a:xfrm>
+        </p:spPr>
+        <p:txBody>
+          <a:bodyPr>
+            <a:normAutofit/>
+          </a:bodyPr>
+          <a:lstStyle/>
+          <a:p>
+            <a:r>
+              <a:rPr lang="de-DE" sz="4000" dirty="0"/>
+              <a:t>Mock-</a:t>
+            </a:r>
+            <a:r>
+              <a:rPr lang="de-DE" sz="4000" dirty="0" err="1"/>
+              <a:t>Ups</a:t>
+            </a:r>
+            <a:endParaRPr lang="de-DE" sz="4000" dirty="0"/>
+          </a:p>
+        </p:txBody>
+      </p:sp>
       <p:sp>
         <p:nvSpPr>
           <p:cNvPr id="9" name="Inhaltsplatzhalter 5"/>
@@ -4617,53 +5077,8 @@
             </a:lvl9pPr>
           </a:lstStyle>
           <a:p>
-            <a:r>
-              <a:rPr lang="de-DE" sz="2400" dirty="0"/>
-              <a:t>Andreas Müller der preisbewusste Familienvater</a:t>
-            </a:r>
-          </a:p>
-          <a:p>
-            <a:pPr lvl="1"/>
-            <a:r>
-              <a:rPr lang="de-DE" sz="2000" dirty="0"/>
-              <a:t>Technisch kaum versiert</a:t>
-            </a:r>
-          </a:p>
-          <a:p>
-            <a:pPr lvl="1"/>
-            <a:r>
-              <a:rPr lang="de-DE" sz="2000" dirty="0"/>
-              <a:t>Wenig Onlineerfahrung</a:t>
-            </a:r>
-          </a:p>
-          <a:p>
-            <a:pPr lvl="1"/>
-            <a:r>
-              <a:rPr lang="de-DE" sz="2000" dirty="0"/>
-              <a:t>Beschäftigt sich kaum mit Shops</a:t>
-            </a:r>
-          </a:p>
-          <a:p>
-            <a:pPr lvl="1"/>
-            <a:r>
-              <a:rPr lang="de-DE" sz="2000" dirty="0"/>
-              <a:t>Auf neue Funktionen legt er keinen Wert </a:t>
-            </a:r>
-          </a:p>
-          <a:p>
-            <a:pPr lvl="1"/>
-            <a:r>
-              <a:rPr lang="de-DE" sz="2000" dirty="0"/>
-              <a:t>Typischer „DAU“</a:t>
-            </a:r>
-          </a:p>
-          <a:p>
-            <a:endParaRPr lang="de-DE" dirty="0"/>
-          </a:p>
-          <a:p>
-            <a:pPr marL="571500" indent="-571500">
-              <a:buFont typeface="+mj-lt"/>
-              <a:buAutoNum type="romanUcPeriod"/>
+            <a:pPr marL="0" indent="0">
+              <a:buNone/>
             </a:pPr>
             <a:endParaRPr lang="de-DE" dirty="0"/>
           </a:p>
@@ -4678,28 +5093,22 @@
       </p:sp>
       <p:pic>
         <p:nvPicPr>
-          <p:cNvPr id="10" name="Grafik 9"/>
+          <p:cNvPr id="11" name="Inhaltsplatzhalter 3"/>
           <p:cNvPicPr>
-            <a:picLocks noChangeAspect="1"/>
+            <a:picLocks noGrp="1" noChangeAspect="1"/>
           </p:cNvPicPr>
           <p:nvPr/>
         </p:nvPicPr>
         <p:blipFill>
-          <a:blip r:embed="rId3">
-            <a:extLst>
-              <a:ext uri="{28A0092B-C50C-407E-A947-70E740481C1C}">
-                <a14:useLocalDpi xmlns:a14="http://schemas.microsoft.com/office/drawing/2010/main" val="0"/>
-              </a:ext>
-            </a:extLst>
-          </a:blip>
+          <a:blip r:embed="rId2"/>
           <a:stretch>
             <a:fillRect/>
           </a:stretch>
         </p:blipFill>
         <p:spPr>
           <a:xfrm>
-            <a:off x="2192405" y="3664607"/>
-            <a:ext cx="3221414" cy="2608006"/>
+            <a:off x="1466310" y="1460315"/>
+            <a:ext cx="5985524" cy="4202083"/>
           </a:xfrm>
           <a:prstGeom prst="rect">
             <a:avLst/>
@@ -4709,149 +5118,20 @@
     </p:spTree>
     <p:extLst>
       <p:ext uri="{BB962C8B-B14F-4D97-AF65-F5344CB8AC3E}">
-        <p14:creationId xmlns:p14="http://schemas.microsoft.com/office/powerpoint/2010/main" val="295717713"/>
+        <p14:creationId xmlns:p14="http://schemas.microsoft.com/office/powerpoint/2010/main" val="1106669652"/>
       </p:ext>
     </p:extLst>
   </p:cSld>
   <p:clrMapOvr>
     <a:masterClrMapping/>
   </p:clrMapOvr>
-</p:sld>
-</file>
-
-<file path=ppt/slides/slide6.xml><?xml version="1.0" encoding="utf-8"?>
-<p:sld xmlns:a="http://schemas.openxmlformats.org/drawingml/2006/main" xmlns:r="http://schemas.openxmlformats.org/officeDocument/2006/relationships" xmlns:p="http://schemas.openxmlformats.org/presentationml/2006/main">
-  <p:cSld>
-    <p:spTree>
-      <p:nvGrpSpPr>
-        <p:cNvPr id="1" name=""/>
-        <p:cNvGrpSpPr/>
-        <p:nvPr/>
-      </p:nvGrpSpPr>
-      <p:grpSpPr>
-        <a:xfrm>
-          <a:off x="0" y="0"/>
-          <a:ext cx="0" cy="0"/>
-          <a:chOff x="0" y="0"/>
-          <a:chExt cx="0" cy="0"/>
-        </a:xfrm>
-      </p:grpSpPr>
-      <p:sp>
-        <p:nvSpPr>
-          <p:cNvPr id="6" name="Inhaltsplatzhalter 5"/>
-          <p:cNvSpPr>
-            <a:spLocks noGrp="1"/>
-          </p:cNvSpPr>
-          <p:nvPr>
-            <p:ph idx="1"/>
-          </p:nvPr>
-        </p:nvSpPr>
-        <p:spPr>
-          <a:xfrm>
-            <a:off x="492806" y="1890537"/>
-            <a:ext cx="8105151" cy="3617607"/>
-          </a:xfrm>
-        </p:spPr>
-        <p:txBody>
-          <a:bodyPr/>
-          <a:lstStyle/>
-          <a:p>
-            <a:pPr marL="0" indent="0">
-              <a:buNone/>
-            </a:pPr>
-            <a:r>
-              <a:rPr lang="de-DE" dirty="0"/>
-              <a:t>Andreas Müller </a:t>
-            </a:r>
-          </a:p>
-          <a:p>
-            <a:pPr marL="0" indent="0">
-              <a:buNone/>
-            </a:pPr>
-            <a:r>
-              <a:rPr lang="de-DE" dirty="0"/>
-              <a:t>[…]</a:t>
-            </a:r>
-          </a:p>
-          <a:p>
-            <a:pPr marL="0" indent="0">
-              <a:buNone/>
-            </a:pPr>
-            <a:r>
-              <a:rPr lang="de-DE" sz="2400" dirty="0"/>
-              <a:t>Zusammengefasst wünsche ich mir ein modernes Design, das auch technisch kaum versierten Benutzern wie mir eine problemlose Bedienung der Webseite ermöglicht. </a:t>
-            </a:r>
-          </a:p>
-          <a:p>
-            <a:pPr marL="0" indent="0">
-              <a:buNone/>
-            </a:pPr>
-            <a:endParaRPr lang="de-DE" dirty="0"/>
-          </a:p>
-        </p:txBody>
-      </p:sp>
-      <p:sp>
-        <p:nvSpPr>
-          <p:cNvPr id="7" name="Foliennummernplatzhalter 6"/>
-          <p:cNvSpPr>
-            <a:spLocks noGrp="1"/>
-          </p:cNvSpPr>
-          <p:nvPr>
-            <p:ph type="sldNum" sz="quarter" idx="12"/>
-          </p:nvPr>
-        </p:nvSpPr>
-        <p:spPr/>
-        <p:txBody>
-          <a:bodyPr/>
-          <a:lstStyle/>
-          <a:p>
-            <a:fld id="{9CDE1BF7-98F8-4339-9767-51328A5E8D33}" type="slidenum">
-              <a:rPr lang="de-DE" smtClean="0"/>
-              <a:t>6</a:t>
-            </a:fld>
-            <a:endParaRPr lang="de-DE"/>
-          </a:p>
-        </p:txBody>
-      </p:sp>
-      <p:sp>
-        <p:nvSpPr>
-          <p:cNvPr id="8" name="Titel 4"/>
-          <p:cNvSpPr>
-            <a:spLocks noGrp="1"/>
-          </p:cNvSpPr>
-          <p:nvPr>
-            <p:ph type="title"/>
-          </p:nvPr>
-        </p:nvSpPr>
-        <p:spPr>
-          <a:xfrm>
-            <a:off x="606581" y="694334"/>
-            <a:ext cx="7886700" cy="1325563"/>
-          </a:xfrm>
-        </p:spPr>
-        <p:txBody>
-          <a:bodyPr>
-            <a:normAutofit/>
-          </a:bodyPr>
-          <a:lstStyle/>
-          <a:p>
-            <a:r>
-              <a:rPr lang="de-DE" sz="4000" dirty="0"/>
-              <a:t>Userstory</a:t>
-            </a:r>
-          </a:p>
-        </p:txBody>
-      </p:sp>
-    </p:spTree>
-    <p:extLst>
-      <p:ext uri="{BB962C8B-B14F-4D97-AF65-F5344CB8AC3E}">
-        <p14:creationId xmlns:p14="http://schemas.microsoft.com/office/powerpoint/2010/main" val="3068418944"/>
-      </p:ext>
-    </p:extLst>
-  </p:cSld>
-  <p:clrMapOvr>
-    <a:masterClrMapping/>
-  </p:clrMapOvr>
+  <p:timing>
+    <p:tnLst>
+      <p:par>
+        <p:cTn id="1" dur="indefinite" restart="never" nodeType="tmRoot"/>
+      </p:par>
+    </p:tnLst>
+  </p:timing>
 </p:sld>
 </file>
 
@@ -4936,37 +5216,128 @@
           </a:p>
         </p:txBody>
       </p:sp>
-      <p:sp>
-        <p:nvSpPr>
-          <p:cNvPr id="8" name="Titel 4"/>
-          <p:cNvSpPr>
-            <a:spLocks noGrp="1"/>
-          </p:cNvSpPr>
-          <p:nvPr>
-            <p:ph type="title"/>
-          </p:nvPr>
-        </p:nvSpPr>
+      <p:pic>
+        <p:nvPicPr>
+          <p:cNvPr id="2" name="Grafik 1"/>
+          <p:cNvPicPr>
+            <a:picLocks noChangeAspect="1"/>
+          </p:cNvPicPr>
+          <p:nvPr/>
+        </p:nvPicPr>
+        <p:blipFill>
+          <a:blip r:embed="rId2"/>
+          <a:stretch>
+            <a:fillRect/>
+          </a:stretch>
+        </p:blipFill>
         <p:spPr>
           <a:xfrm>
-            <a:off x="551866" y="556782"/>
-            <a:ext cx="7886700" cy="1325563"/>
+            <a:off x="689608" y="838102"/>
+            <a:ext cx="7777014" cy="4975398"/>
+          </a:xfrm>
+          <a:prstGeom prst="rect">
+            <a:avLst/>
+          </a:prstGeom>
+        </p:spPr>
+      </p:pic>
+    </p:spTree>
+    <p:extLst>
+      <p:ext uri="{BB962C8B-B14F-4D97-AF65-F5344CB8AC3E}">
+        <p14:creationId xmlns:p14="http://schemas.microsoft.com/office/powerpoint/2010/main" val="2647365351"/>
+      </p:ext>
+    </p:extLst>
+  </p:cSld>
+  <p:clrMapOvr>
+    <a:masterClrMapping/>
+  </p:clrMapOvr>
+  <p:timing>
+    <p:tnLst>
+      <p:par>
+        <p:cTn id="1" dur="indefinite" restart="never" nodeType="tmRoot"/>
+      </p:par>
+    </p:tnLst>
+  </p:timing>
+</p:sld>
+</file>
+
+<file path=ppt/slides/slide8.xml><?xml version="1.0" encoding="utf-8"?>
+<p:sld xmlns:a="http://schemas.openxmlformats.org/drawingml/2006/main" xmlns:r="http://schemas.openxmlformats.org/officeDocument/2006/relationships" xmlns:p="http://schemas.openxmlformats.org/presentationml/2006/main">
+  <p:cSld>
+    <p:spTree>
+      <p:nvGrpSpPr>
+        <p:cNvPr id="1" name=""/>
+        <p:cNvGrpSpPr/>
+        <p:nvPr/>
+      </p:nvGrpSpPr>
+      <p:grpSpPr>
+        <a:xfrm>
+          <a:off x="0" y="0"/>
+          <a:ext cx="0" cy="0"/>
+          <a:chOff x="0" y="0"/>
+          <a:chExt cx="0" cy="0"/>
+        </a:xfrm>
+      </p:grpSpPr>
+      <p:sp>
+        <p:nvSpPr>
+          <p:cNvPr id="6" name="Inhaltsplatzhalter 5"/>
+          <p:cNvSpPr>
+            <a:spLocks noGrp="1"/>
+          </p:cNvSpPr>
+          <p:nvPr>
+            <p:ph idx="1"/>
+          </p:nvPr>
+        </p:nvSpPr>
+        <p:spPr>
+          <a:xfrm>
+            <a:off x="1091663" y="3561357"/>
+            <a:ext cx="8105151" cy="3617607"/>
           </a:xfrm>
         </p:spPr>
         <p:txBody>
-          <a:bodyPr>
-            <a:normAutofit/>
-          </a:bodyPr>
-          <a:lstStyle/>
-          <a:p>
-            <a:r>
-              <a:rPr lang="de-DE" sz="4000" dirty="0"/>
-              <a:t>Mock-</a:t>
-            </a:r>
-            <a:r>
-              <a:rPr lang="de-DE" sz="4000" dirty="0" err="1"/>
-              <a:t>Ups</a:t>
-            </a:r>
-            <a:endParaRPr lang="de-DE" sz="4000" dirty="0"/>
+          <a:bodyPr/>
+          <a:lstStyle/>
+          <a:p>
+            <a:endParaRPr lang="de-DE" sz="2400" dirty="0"/>
+          </a:p>
+          <a:p>
+            <a:endParaRPr lang="de-DE" dirty="0"/>
+          </a:p>
+          <a:p>
+            <a:pPr marL="571500" indent="-571500">
+              <a:buFont typeface="+mj-lt"/>
+              <a:buAutoNum type="romanUcPeriod"/>
+            </a:pPr>
+            <a:endParaRPr lang="de-DE" dirty="0"/>
+          </a:p>
+          <a:p>
+            <a:pPr marL="514350" indent="-514350">
+              <a:buFont typeface="+mj-lt"/>
+              <a:buAutoNum type="romanUcPeriod"/>
+            </a:pPr>
+            <a:endParaRPr lang="de-DE" dirty="0"/>
+          </a:p>
+        </p:txBody>
+      </p:sp>
+      <p:sp>
+        <p:nvSpPr>
+          <p:cNvPr id="7" name="Foliennummernplatzhalter 6"/>
+          <p:cNvSpPr>
+            <a:spLocks noGrp="1"/>
+          </p:cNvSpPr>
+          <p:nvPr>
+            <p:ph type="sldNum" sz="quarter" idx="12"/>
+          </p:nvPr>
+        </p:nvSpPr>
+        <p:spPr/>
+        <p:txBody>
+          <a:bodyPr/>
+          <a:lstStyle/>
+          <a:p>
+            <a:fld id="{9CDE1BF7-98F8-4339-9767-51328A5E8D33}" type="slidenum">
+              <a:rPr lang="de-DE" smtClean="0"/>
+              <a:t>8</a:t>
+            </a:fld>
+            <a:endParaRPr lang="de-DE"/>
           </a:p>
         </p:txBody>
       </p:sp>
@@ -5156,360 +5527,6 @@
             </a:lvl9pPr>
           </a:lstStyle>
           <a:p>
-            <a:r>
-              <a:rPr lang="de-DE" sz="2400" dirty="0"/>
-              <a:t>Entwurf der Anmeldemaske</a:t>
-            </a:r>
-          </a:p>
-          <a:p>
-            <a:pPr marL="571500" indent="-571500">
-              <a:buFont typeface="+mj-lt"/>
-              <a:buAutoNum type="romanUcPeriod"/>
-            </a:pPr>
-            <a:endParaRPr lang="de-DE" dirty="0"/>
-          </a:p>
-          <a:p>
-            <a:pPr marL="514350" indent="-514350">
-              <a:buFont typeface="+mj-lt"/>
-              <a:buAutoNum type="romanUcPeriod"/>
-            </a:pPr>
-            <a:endParaRPr lang="de-DE" dirty="0"/>
-          </a:p>
-        </p:txBody>
-      </p:sp>
-      <p:pic>
-        <p:nvPicPr>
-          <p:cNvPr id="11" name="Inhaltsplatzhalter 3"/>
-          <p:cNvPicPr>
-            <a:picLocks noGrp="1" noChangeAspect="1"/>
-          </p:cNvPicPr>
-          <p:nvPr/>
-        </p:nvPicPr>
-        <p:blipFill>
-          <a:blip r:embed="rId2"/>
-          <a:stretch>
-            <a:fillRect/>
-          </a:stretch>
-        </p:blipFill>
-        <p:spPr>
-          <a:xfrm>
-            <a:off x="289151" y="2276148"/>
-            <a:ext cx="3973307" cy="2789424"/>
-          </a:xfrm>
-          <a:prstGeom prst="rect">
-            <a:avLst/>
-          </a:prstGeom>
-        </p:spPr>
-      </p:pic>
-      <p:pic>
-        <p:nvPicPr>
-          <p:cNvPr id="12" name="Inhaltsplatzhalter 3"/>
-          <p:cNvPicPr>
-            <a:picLocks noGrp="1" noChangeAspect="1"/>
-          </p:cNvPicPr>
-          <p:nvPr/>
-        </p:nvPicPr>
-        <p:blipFill rotWithShape="1">
-          <a:blip r:embed="rId3">
-            <a:extLst>
-              <a:ext uri="{28A0092B-C50C-407E-A947-70E740481C1C}">
-                <a14:useLocalDpi xmlns:a14="http://schemas.microsoft.com/office/drawing/2010/main" val="0"/>
-              </a:ext>
-            </a:extLst>
-          </a:blip>
-          <a:srcRect l="7809" r="9836" b="11171"/>
-          <a:stretch/>
-        </p:blipFill>
-        <p:spPr>
-          <a:xfrm>
-            <a:off x="4477789" y="2304207"/>
-            <a:ext cx="4223491" cy="2733306"/>
-          </a:xfrm>
-          <a:prstGeom prst="rect">
-            <a:avLst/>
-          </a:prstGeom>
-        </p:spPr>
-      </p:pic>
-    </p:spTree>
-    <p:extLst>
-      <p:ext uri="{BB962C8B-B14F-4D97-AF65-F5344CB8AC3E}">
-        <p14:creationId xmlns:p14="http://schemas.microsoft.com/office/powerpoint/2010/main" val="1106669652"/>
-      </p:ext>
-    </p:extLst>
-  </p:cSld>
-  <p:clrMapOvr>
-    <a:masterClrMapping/>
-  </p:clrMapOvr>
-</p:sld>
-</file>
-
-<file path=ppt/slides/slide8.xml><?xml version="1.0" encoding="utf-8"?>
-<p:sld xmlns:a="http://schemas.openxmlformats.org/drawingml/2006/main" xmlns:r="http://schemas.openxmlformats.org/officeDocument/2006/relationships" xmlns:p="http://schemas.openxmlformats.org/presentationml/2006/main">
-  <p:cSld>
-    <p:spTree>
-      <p:nvGrpSpPr>
-        <p:cNvPr id="1" name=""/>
-        <p:cNvGrpSpPr/>
-        <p:nvPr/>
-      </p:nvGrpSpPr>
-      <p:grpSpPr>
-        <a:xfrm>
-          <a:off x="0" y="0"/>
-          <a:ext cx="0" cy="0"/>
-          <a:chOff x="0" y="0"/>
-          <a:chExt cx="0" cy="0"/>
-        </a:xfrm>
-      </p:grpSpPr>
-      <p:sp>
-        <p:nvSpPr>
-          <p:cNvPr id="6" name="Inhaltsplatzhalter 5"/>
-          <p:cNvSpPr>
-            <a:spLocks noGrp="1"/>
-          </p:cNvSpPr>
-          <p:nvPr>
-            <p:ph idx="1"/>
-          </p:nvPr>
-        </p:nvSpPr>
-        <p:spPr>
-          <a:xfrm>
-            <a:off x="1091663" y="3561357"/>
-            <a:ext cx="8105151" cy="3617607"/>
-          </a:xfrm>
-        </p:spPr>
-        <p:txBody>
-          <a:bodyPr/>
-          <a:lstStyle/>
-          <a:p>
-            <a:endParaRPr lang="de-DE" sz="2400" dirty="0"/>
-          </a:p>
-          <a:p>
-            <a:endParaRPr lang="de-DE" dirty="0"/>
-          </a:p>
-          <a:p>
-            <a:pPr marL="571500" indent="-571500">
-              <a:buFont typeface="+mj-lt"/>
-              <a:buAutoNum type="romanUcPeriod"/>
-            </a:pPr>
-            <a:endParaRPr lang="de-DE" dirty="0"/>
-          </a:p>
-          <a:p>
-            <a:pPr marL="514350" indent="-514350">
-              <a:buFont typeface="+mj-lt"/>
-              <a:buAutoNum type="romanUcPeriod"/>
-            </a:pPr>
-            <a:endParaRPr lang="de-DE" dirty="0"/>
-          </a:p>
-        </p:txBody>
-      </p:sp>
-      <p:sp>
-        <p:nvSpPr>
-          <p:cNvPr id="7" name="Foliennummernplatzhalter 6"/>
-          <p:cNvSpPr>
-            <a:spLocks noGrp="1"/>
-          </p:cNvSpPr>
-          <p:nvPr>
-            <p:ph type="sldNum" sz="quarter" idx="12"/>
-          </p:nvPr>
-        </p:nvSpPr>
-        <p:spPr/>
-        <p:txBody>
-          <a:bodyPr/>
-          <a:lstStyle/>
-          <a:p>
-            <a:fld id="{9CDE1BF7-98F8-4339-9767-51328A5E8D33}" type="slidenum">
-              <a:rPr lang="de-DE" smtClean="0"/>
-              <a:t>8</a:t>
-            </a:fld>
-            <a:endParaRPr lang="de-DE"/>
-          </a:p>
-        </p:txBody>
-      </p:sp>
-      <p:sp>
-        <p:nvSpPr>
-          <p:cNvPr id="9" name="Inhaltsplatzhalter 5"/>
-          <p:cNvSpPr txBox="1">
-            <a:spLocks/>
-          </p:cNvSpPr>
-          <p:nvPr/>
-        </p:nvSpPr>
-        <p:spPr>
-          <a:xfrm>
-            <a:off x="442640" y="1637910"/>
-            <a:ext cx="8105151" cy="3617607"/>
-          </a:xfrm>
-          <a:prstGeom prst="rect">
-            <a:avLst/>
-          </a:prstGeom>
-        </p:spPr>
-        <p:txBody>
-          <a:bodyPr vert="horz" lIns="91440" tIns="45720" rIns="91440" bIns="45720" rtlCol="0">
-            <a:normAutofit/>
-          </a:bodyPr>
-          <a:lstStyle>
-            <a:lvl1pPr marL="228600" indent="-228600" algn="l" defTabSz="914400" rtl="0" eaLnBrk="1" latinLnBrk="0" hangingPunct="1">
-              <a:lnSpc>
-                <a:spcPct val="90000"/>
-              </a:lnSpc>
-              <a:spcBef>
-                <a:spcPts val="1000"/>
-              </a:spcBef>
-              <a:buFont typeface="Arial" panose="020B0604020202020204" pitchFamily="34" charset="0"/>
-              <a:buChar char="•"/>
-              <a:defRPr sz="2800" kern="1200">
-                <a:solidFill>
-                  <a:schemeClr val="tx1"/>
-                </a:solidFill>
-                <a:latin typeface="+mn-lt"/>
-                <a:ea typeface="+mn-ea"/>
-                <a:cs typeface="+mn-cs"/>
-              </a:defRPr>
-            </a:lvl1pPr>
-            <a:lvl2pPr marL="685800" indent="-228600" algn="l" defTabSz="914400" rtl="0" eaLnBrk="1" latinLnBrk="0" hangingPunct="1">
-              <a:lnSpc>
-                <a:spcPct val="90000"/>
-              </a:lnSpc>
-              <a:spcBef>
-                <a:spcPts val="500"/>
-              </a:spcBef>
-              <a:buFont typeface="Arial" panose="020B0604020202020204" pitchFamily="34" charset="0"/>
-              <a:buChar char="•"/>
-              <a:defRPr sz="2400" kern="1200">
-                <a:solidFill>
-                  <a:schemeClr val="tx1"/>
-                </a:solidFill>
-                <a:latin typeface="+mn-lt"/>
-                <a:ea typeface="+mn-ea"/>
-                <a:cs typeface="+mn-cs"/>
-              </a:defRPr>
-            </a:lvl2pPr>
-            <a:lvl3pPr marL="1143000" indent="-228600" algn="l" defTabSz="914400" rtl="0" eaLnBrk="1" latinLnBrk="0" hangingPunct="1">
-              <a:lnSpc>
-                <a:spcPct val="90000"/>
-              </a:lnSpc>
-              <a:spcBef>
-                <a:spcPts val="500"/>
-              </a:spcBef>
-              <a:buFont typeface="Arial" panose="020B0604020202020204" pitchFamily="34" charset="0"/>
-              <a:buChar char="•"/>
-              <a:defRPr sz="2000" kern="1200">
-                <a:solidFill>
-                  <a:schemeClr val="tx1"/>
-                </a:solidFill>
-                <a:latin typeface="+mn-lt"/>
-                <a:ea typeface="+mn-ea"/>
-                <a:cs typeface="+mn-cs"/>
-              </a:defRPr>
-            </a:lvl3pPr>
-            <a:lvl4pPr marL="1600200" indent="-228600" algn="l" defTabSz="914400" rtl="0" eaLnBrk="1" latinLnBrk="0" hangingPunct="1">
-              <a:lnSpc>
-                <a:spcPct val="90000"/>
-              </a:lnSpc>
-              <a:spcBef>
-                <a:spcPts val="500"/>
-              </a:spcBef>
-              <a:buFont typeface="Arial" panose="020B0604020202020204" pitchFamily="34" charset="0"/>
-              <a:buChar char="•"/>
-              <a:defRPr sz="1800" kern="1200">
-                <a:solidFill>
-                  <a:schemeClr val="tx1"/>
-                </a:solidFill>
-                <a:latin typeface="+mn-lt"/>
-                <a:ea typeface="+mn-ea"/>
-                <a:cs typeface="+mn-cs"/>
-              </a:defRPr>
-            </a:lvl4pPr>
-            <a:lvl5pPr marL="2057400" indent="-228600" algn="l" defTabSz="914400" rtl="0" eaLnBrk="1" latinLnBrk="0" hangingPunct="1">
-              <a:lnSpc>
-                <a:spcPct val="90000"/>
-              </a:lnSpc>
-              <a:spcBef>
-                <a:spcPts val="500"/>
-              </a:spcBef>
-              <a:buFont typeface="Arial" panose="020B0604020202020204" pitchFamily="34" charset="0"/>
-              <a:buChar char="•"/>
-              <a:defRPr sz="1800" kern="1200">
-                <a:solidFill>
-                  <a:schemeClr val="tx1"/>
-                </a:solidFill>
-                <a:latin typeface="+mn-lt"/>
-                <a:ea typeface="+mn-ea"/>
-                <a:cs typeface="+mn-cs"/>
-              </a:defRPr>
-            </a:lvl5pPr>
-            <a:lvl6pPr marL="2514600" indent="-228600" algn="l" defTabSz="914400" rtl="0" eaLnBrk="1" latinLnBrk="0" hangingPunct="1">
-              <a:lnSpc>
-                <a:spcPct val="90000"/>
-              </a:lnSpc>
-              <a:spcBef>
-                <a:spcPts val="500"/>
-              </a:spcBef>
-              <a:buFont typeface="Arial" panose="020B0604020202020204" pitchFamily="34" charset="0"/>
-              <a:buChar char="•"/>
-              <a:defRPr sz="1800" kern="1200">
-                <a:solidFill>
-                  <a:schemeClr val="tx1"/>
-                </a:solidFill>
-                <a:latin typeface="+mn-lt"/>
-                <a:ea typeface="+mn-ea"/>
-                <a:cs typeface="+mn-cs"/>
-              </a:defRPr>
-            </a:lvl6pPr>
-            <a:lvl7pPr marL="2971800" indent="-228600" algn="l" defTabSz="914400" rtl="0" eaLnBrk="1" latinLnBrk="0" hangingPunct="1">
-              <a:lnSpc>
-                <a:spcPct val="90000"/>
-              </a:lnSpc>
-              <a:spcBef>
-                <a:spcPts val="500"/>
-              </a:spcBef>
-              <a:buFont typeface="Arial" panose="020B0604020202020204" pitchFamily="34" charset="0"/>
-              <a:buChar char="•"/>
-              <a:defRPr sz="1800" kern="1200">
-                <a:solidFill>
-                  <a:schemeClr val="tx1"/>
-                </a:solidFill>
-                <a:latin typeface="+mn-lt"/>
-                <a:ea typeface="+mn-ea"/>
-                <a:cs typeface="+mn-cs"/>
-              </a:defRPr>
-            </a:lvl7pPr>
-            <a:lvl8pPr marL="3429000" indent="-228600" algn="l" defTabSz="914400" rtl="0" eaLnBrk="1" latinLnBrk="0" hangingPunct="1">
-              <a:lnSpc>
-                <a:spcPct val="90000"/>
-              </a:lnSpc>
-              <a:spcBef>
-                <a:spcPts val="500"/>
-              </a:spcBef>
-              <a:buFont typeface="Arial" panose="020B0604020202020204" pitchFamily="34" charset="0"/>
-              <a:buChar char="•"/>
-              <a:defRPr sz="1800" kern="1200">
-                <a:solidFill>
-                  <a:schemeClr val="tx1"/>
-                </a:solidFill>
-                <a:latin typeface="+mn-lt"/>
-                <a:ea typeface="+mn-ea"/>
-                <a:cs typeface="+mn-cs"/>
-              </a:defRPr>
-            </a:lvl8pPr>
-            <a:lvl9pPr marL="3886200" indent="-228600" algn="l" defTabSz="914400" rtl="0" eaLnBrk="1" latinLnBrk="0" hangingPunct="1">
-              <a:lnSpc>
-                <a:spcPct val="90000"/>
-              </a:lnSpc>
-              <a:spcBef>
-                <a:spcPts val="500"/>
-              </a:spcBef>
-              <a:buFont typeface="Arial" panose="020B0604020202020204" pitchFamily="34" charset="0"/>
-              <a:buChar char="•"/>
-              <a:defRPr sz="1800" kern="1200">
-                <a:solidFill>
-                  <a:schemeClr val="tx1"/>
-                </a:solidFill>
-                <a:latin typeface="+mn-lt"/>
-                <a:ea typeface="+mn-ea"/>
-                <a:cs typeface="+mn-cs"/>
-              </a:defRPr>
-            </a:lvl9pPr>
-          </a:lstStyle>
-          <a:p>
             <a:pPr marL="0" indent="0">
               <a:buNone/>
             </a:pPr>
@@ -5564,6 +5581,13 @@
   <p:clrMapOvr>
     <a:masterClrMapping/>
   </p:clrMapOvr>
+  <p:timing>
+    <p:tnLst>
+      <p:par>
+        <p:cTn id="1" dur="indefinite" restart="never" nodeType="tmRoot"/>
+      </p:par>
+    </p:tnLst>
+  </p:timing>
 </p:sld>
 </file>
 
@@ -5687,6 +5711,13 @@
   <p:clrMapOvr>
     <a:masterClrMapping/>
   </p:clrMapOvr>
+  <p:timing>
+    <p:tnLst>
+      <p:par>
+        <p:cTn id="1" dur="indefinite" restart="never" nodeType="tmRoot"/>
+      </p:par>
+    </p:tnLst>
+  </p:timing>
 </p:sld>
 </file>
 

--- a/Präsentation/Präsentation Gruppe 2.pptx
+++ b/Präsentation/Präsentation Gruppe 2.pptx
@@ -5,7 +5,7 @@
     <p:sldMasterId id="2147483660" r:id="rId1"/>
   </p:sldMasterIdLst>
   <p:notesMasterIdLst>
-    <p:notesMasterId r:id="rId12"/>
+    <p:notesMasterId r:id="rId13"/>
   </p:notesMasterIdLst>
   <p:sldIdLst>
     <p:sldId id="257" r:id="rId2"/>
@@ -17,7 +17,8 @@
     <p:sldId id="269" r:id="rId8"/>
     <p:sldId id="264" r:id="rId9"/>
     <p:sldId id="265" r:id="rId10"/>
-    <p:sldId id="266" r:id="rId11"/>
+    <p:sldId id="270" r:id="rId11"/>
+    <p:sldId id="266" r:id="rId12"/>
   </p:sldIdLst>
   <p:sldSz cx="9144000" cy="6858000" type="screen4x3"/>
   <p:notesSz cx="6858000" cy="9144000"/>
@@ -206,7 +207,7 @@
           <a:p>
             <a:fld id="{07BB8642-CDF3-45D6-9755-4E7664DE68ED}" type="datetimeFigureOut">
               <a:rPr lang="de-DE" smtClean="0"/>
-              <a:t>03.04.2017</a:t>
+              <a:t>03.04.17</a:t>
             </a:fld>
             <a:endParaRPr lang="de-DE"/>
           </a:p>
@@ -623,6 +624,156 @@
 </p:notes>
 </file>
 
+<file path=ppt/notesSlides/notesSlide2.xml><?xml version="1.0" encoding="utf-8"?>
+<p:notes xmlns:a="http://schemas.openxmlformats.org/drawingml/2006/main" xmlns:r="http://schemas.openxmlformats.org/officeDocument/2006/relationships" xmlns:p="http://schemas.openxmlformats.org/presentationml/2006/main">
+  <p:cSld>
+    <p:spTree>
+      <p:nvGrpSpPr>
+        <p:cNvPr id="1" name=""/>
+        <p:cNvGrpSpPr/>
+        <p:nvPr/>
+      </p:nvGrpSpPr>
+      <p:grpSpPr>
+        <a:xfrm>
+          <a:off x="0" y="0"/>
+          <a:ext cx="0" cy="0"/>
+          <a:chOff x="0" y="0"/>
+          <a:chExt cx="0" cy="0"/>
+        </a:xfrm>
+      </p:grpSpPr>
+      <p:sp>
+        <p:nvSpPr>
+          <p:cNvPr id="2" name="Folienbildplatzhalter 1"/>
+          <p:cNvSpPr>
+            <a:spLocks noGrp="1" noRot="1" noChangeAspect="1"/>
+          </p:cNvSpPr>
+          <p:nvPr>
+            <p:ph type="sldImg"/>
+          </p:nvPr>
+        </p:nvSpPr>
+        <p:spPr/>
+      </p:sp>
+      <p:sp>
+        <p:nvSpPr>
+          <p:cNvPr id="3" name="Notizenplatzhalter 2"/>
+          <p:cNvSpPr>
+            <a:spLocks noGrp="1"/>
+          </p:cNvSpPr>
+          <p:nvPr>
+            <p:ph type="body" idx="1"/>
+          </p:nvPr>
+        </p:nvSpPr>
+        <p:spPr/>
+        <p:txBody>
+          <a:bodyPr/>
+          <a:lstStyle/>
+          <a:p>
+            <a:r>
+              <a:rPr lang="de-DE" sz="1200" b="1" kern="1200" dirty="0" smtClean="0">
+                <a:solidFill>
+                  <a:schemeClr val="tx1"/>
+                </a:solidFill>
+                <a:effectLst/>
+                <a:latin typeface="+mn-lt"/>
+                <a:ea typeface="+mn-ea"/>
+                <a:cs typeface="+mn-cs"/>
+              </a:rPr>
+              <a:t>User Story Andreas Müller</a:t>
+            </a:r>
+            <a:br>
+              <a:rPr lang="de-DE" sz="1200" b="1" kern="1200" dirty="0" smtClean="0">
+                <a:solidFill>
+                  <a:schemeClr val="tx1"/>
+                </a:solidFill>
+                <a:effectLst/>
+                <a:latin typeface="+mn-lt"/>
+                <a:ea typeface="+mn-ea"/>
+                <a:cs typeface="+mn-cs"/>
+              </a:rPr>
+            </a:br>
+            <a:endParaRPr lang="de-DE" sz="1200" b="1" kern="1200" dirty="0" smtClean="0">
+              <a:solidFill>
+                <a:schemeClr val="tx1"/>
+              </a:solidFill>
+              <a:effectLst/>
+              <a:latin typeface="+mn-lt"/>
+              <a:ea typeface="+mn-ea"/>
+              <a:cs typeface="+mn-cs"/>
+            </a:endParaRPr>
+          </a:p>
+          <a:p>
+            <a:r>
+              <a:rPr lang="de-DE" sz="1200" kern="1200" dirty="0" smtClean="0">
+                <a:solidFill>
+                  <a:schemeClr val="tx1"/>
+                </a:solidFill>
+                <a:effectLst/>
+                <a:latin typeface="+mn-lt"/>
+                <a:ea typeface="+mn-ea"/>
+                <a:cs typeface="+mn-cs"/>
+              </a:rPr>
+              <a:t>Ich wünsche mir eine sehr einfach zu bedienende und klar strukturierte Seite, mit der ich einen guten Überblick über meine Produkte bekomme. Da ich mich auf Amazon und anderen Online-Shop-Seiten nicht so selbstsicher bewegen kann, wünsche ich mir ein klares Layout der Seite, ohne mich lange in die Funktionalitäten einarbeiten zu müssen. Da ich gerne Produkte über einen längeren Zeitraum beobachte, wünsche ich mir die nötigen Einstellungen, um den Preisverlauf auf einem Blick nachvollziehen zu können. </a:t>
+            </a:r>
+          </a:p>
+          <a:p>
+            <a:pPr lvl="0"/>
+            <a:r>
+              <a:rPr lang="de-DE" sz="1200" kern="1200" dirty="0" smtClean="0">
+                <a:solidFill>
+                  <a:schemeClr val="tx1"/>
+                </a:solidFill>
+                <a:effectLst/>
+                <a:latin typeface="+mn-lt"/>
+                <a:ea typeface="+mn-ea"/>
+                <a:cs typeface="+mn-cs"/>
+              </a:rPr>
+              <a:t>Alles in allem wünsche ich mir ein modernes Design, das auch technisch kaum versierten Benutzern wie mir eine problemlose Bedienung der Webseite ermöglicht. </a:t>
+            </a:r>
+          </a:p>
+          <a:p>
+            <a:endParaRPr lang="de-DE" dirty="0" smtClean="0"/>
+          </a:p>
+          <a:p>
+            <a:endParaRPr lang="de-DE" dirty="0"/>
+          </a:p>
+        </p:txBody>
+      </p:sp>
+      <p:sp>
+        <p:nvSpPr>
+          <p:cNvPr id="4" name="Foliennummernplatzhalter 3"/>
+          <p:cNvSpPr>
+            <a:spLocks noGrp="1"/>
+          </p:cNvSpPr>
+          <p:nvPr>
+            <p:ph type="sldNum" sz="quarter" idx="10"/>
+          </p:nvPr>
+        </p:nvSpPr>
+        <p:spPr/>
+        <p:txBody>
+          <a:bodyPr/>
+          <a:lstStyle/>
+          <a:p>
+            <a:fld id="{027154C5-65B5-48B3-B278-9C20A192C269}" type="slidenum">
+              <a:rPr lang="de-DE" smtClean="0"/>
+              <a:t>10</a:t>
+            </a:fld>
+            <a:endParaRPr lang="de-DE"/>
+          </a:p>
+        </p:txBody>
+      </p:sp>
+    </p:spTree>
+    <p:extLst>
+      <p:ext uri="{BB962C8B-B14F-4D97-AF65-F5344CB8AC3E}">
+        <p14:creationId xmlns:p14="http://schemas.microsoft.com/office/powerpoint/2010/main" val="73093605"/>
+      </p:ext>
+    </p:extLst>
+  </p:cSld>
+  <p:clrMapOvr>
+    <a:masterClrMapping/>
+  </p:clrMapOvr>
+</p:notes>
+</file>
+
 <file path=ppt/slideLayouts/slideLayout1.xml><?xml version="1.0" encoding="utf-8"?>
 <p:sldLayout xmlns:a="http://schemas.openxmlformats.org/drawingml/2006/main" xmlns:r="http://schemas.openxmlformats.org/officeDocument/2006/relationships" xmlns:p="http://schemas.openxmlformats.org/presentationml/2006/main" type="title" preserve="1">
   <p:cSld name="Titelfolie">
@@ -754,7 +905,7 @@
           <a:p>
             <a:fld id="{B963AB3E-E22F-4644-A08F-21A1907EB07C}" type="datetime1">
               <a:rPr lang="de-DE" smtClean="0"/>
-              <a:t>03.04.2017</a:t>
+              <a:t>03.04.17</a:t>
             </a:fld>
             <a:endParaRPr lang="de-DE"/>
           </a:p>
@@ -924,7 +1075,7 @@
           <a:p>
             <a:fld id="{0B09E0E7-F097-4EB4-9156-3C04E83A9960}" type="datetime1">
               <a:rPr lang="de-DE" smtClean="0"/>
-              <a:t>03.04.2017</a:t>
+              <a:t>03.04.17</a:t>
             </a:fld>
             <a:endParaRPr lang="de-DE"/>
           </a:p>
@@ -1104,7 +1255,7 @@
           <a:p>
             <a:fld id="{EFD21B16-3240-42F4-A227-EE762AEF79FC}" type="datetime1">
               <a:rPr lang="de-DE" smtClean="0"/>
-              <a:t>03.04.2017</a:t>
+              <a:t>03.04.17</a:t>
             </a:fld>
             <a:endParaRPr lang="de-DE"/>
           </a:p>
@@ -1274,7 +1425,7 @@
           <a:p>
             <a:fld id="{11F27AD4-71C3-4637-B6EA-7BAC332326B1}" type="datetime1">
               <a:rPr lang="de-DE" smtClean="0"/>
-              <a:t>03.04.2017</a:t>
+              <a:t>03.04.17</a:t>
             </a:fld>
             <a:endParaRPr lang="de-DE"/>
           </a:p>
@@ -1518,7 +1669,7 @@
           <a:p>
             <a:fld id="{22B3F217-E3C5-42BD-AC58-5446EB37E0CF}" type="datetime1">
               <a:rPr lang="de-DE" smtClean="0"/>
-              <a:t>03.04.2017</a:t>
+              <a:t>03.04.17</a:t>
             </a:fld>
             <a:endParaRPr lang="de-DE"/>
           </a:p>
@@ -1750,7 +1901,7 @@
           <a:p>
             <a:fld id="{E6B453F8-7CAE-498D-933C-4CCD1A01F8C8}" type="datetime1">
               <a:rPr lang="de-DE" smtClean="0"/>
-              <a:t>03.04.2017</a:t>
+              <a:t>03.04.17</a:t>
             </a:fld>
             <a:endParaRPr lang="de-DE"/>
           </a:p>
@@ -2117,7 +2268,7 @@
           <a:p>
             <a:fld id="{EC4B3CE6-574A-4557-B8D4-3D062E321FEC}" type="datetime1">
               <a:rPr lang="de-DE" smtClean="0"/>
-              <a:t>03.04.2017</a:t>
+              <a:t>03.04.17</a:t>
             </a:fld>
             <a:endParaRPr lang="de-DE"/>
           </a:p>
@@ -2235,7 +2386,7 @@
           <a:p>
             <a:fld id="{913CAE68-16AE-47DD-8FD9-53F030678557}" type="datetime1">
               <a:rPr lang="de-DE" smtClean="0"/>
-              <a:t>03.04.2017</a:t>
+              <a:t>03.04.17</a:t>
             </a:fld>
             <a:endParaRPr lang="de-DE"/>
           </a:p>
@@ -2330,7 +2481,7 @@
           <a:p>
             <a:fld id="{A05E3000-B9DE-44B0-83EF-18AA88FA4468}" type="datetime1">
               <a:rPr lang="de-DE" smtClean="0"/>
-              <a:t>03.04.2017</a:t>
+              <a:t>03.04.17</a:t>
             </a:fld>
             <a:endParaRPr lang="de-DE"/>
           </a:p>
@@ -2607,7 +2758,7 @@
           <a:p>
             <a:fld id="{8791F026-B1E1-4C78-9D75-F1B0AF03F9EB}" type="datetime1">
               <a:rPr lang="de-DE" smtClean="0"/>
-              <a:t>03.04.2017</a:t>
+              <a:t>03.04.17</a:t>
             </a:fld>
             <a:endParaRPr lang="de-DE"/>
           </a:p>
@@ -2864,7 +3015,7 @@
           <a:p>
             <a:fld id="{82BE1A36-7C94-48D4-A060-67B6C5132B30}" type="datetime1">
               <a:rPr lang="de-DE" smtClean="0"/>
-              <a:t>03.04.2017</a:t>
+              <a:t>03.04.17</a:t>
             </a:fld>
             <a:endParaRPr lang="de-DE"/>
           </a:p>
@@ -3086,7 +3237,7 @@
           <a:p>
             <a:fld id="{3286DE94-5723-4024-B8D4-337FB6768B9A}" type="datetime1">
               <a:rPr lang="de-DE" smtClean="0"/>
-              <a:t>03.04.2017</a:t>
+              <a:t>03.04.17</a:t>
             </a:fld>
             <a:endParaRPr lang="de-DE"/>
           </a:p>
@@ -3604,6 +3755,13 @@
   <p:clrMapOvr>
     <a:masterClrMapping/>
   </p:clrMapOvr>
+  <p:timing>
+    <p:tnLst>
+      <p:par>
+        <p:cTn id="1" dur="indefinite" restart="never" nodeType="tmRoot"/>
+      </p:par>
+    </p:tnLst>
+  </p:timing>
 </p:sld>
 </file>
 
@@ -3626,26 +3784,342 @@
       </p:grpSpPr>
       <p:sp>
         <p:nvSpPr>
-          <p:cNvPr id="6" name="Inhaltsplatzhalter 5"/>
-          <p:cNvSpPr>
-            <a:spLocks noGrp="1"/>
-          </p:cNvSpPr>
-          <p:nvPr>
-            <p:ph idx="1"/>
+          <p:cNvPr id="7" name="Foliennummernplatzhalter 6"/>
+          <p:cNvSpPr>
+            <a:spLocks noGrp="1"/>
+          </p:cNvSpPr>
+          <p:nvPr>
+            <p:ph type="sldNum" sz="quarter" idx="12"/>
+          </p:nvPr>
+        </p:nvSpPr>
+        <p:spPr/>
+        <p:txBody>
+          <a:bodyPr/>
+          <a:lstStyle/>
+          <a:p>
+            <a:fld id="{9CDE1BF7-98F8-4339-9767-51328A5E8D33}" type="slidenum">
+              <a:rPr lang="de-DE" smtClean="0"/>
+              <a:t>10</a:t>
+            </a:fld>
+            <a:endParaRPr lang="de-DE"/>
+          </a:p>
+        </p:txBody>
+      </p:sp>
+      <p:sp>
+        <p:nvSpPr>
+          <p:cNvPr id="8" name="Titel 4"/>
+          <p:cNvSpPr>
+            <a:spLocks noGrp="1"/>
+          </p:cNvSpPr>
+          <p:nvPr>
+            <p:ph type="title"/>
           </p:nvPr>
         </p:nvSpPr>
         <p:spPr>
           <a:xfrm>
-            <a:off x="1091663" y="3561357"/>
+            <a:off x="551866" y="556782"/>
+            <a:ext cx="7886700" cy="1325563"/>
+          </a:xfrm>
+        </p:spPr>
+        <p:txBody>
+          <a:bodyPr>
+            <a:normAutofit/>
+          </a:bodyPr>
+          <a:lstStyle/>
+          <a:p>
+            <a:r>
+              <a:rPr lang="de-DE" sz="4000" dirty="0"/>
+              <a:t>Live-Beispiel der Anwendung</a:t>
+            </a:r>
+            <a:endParaRPr lang="de-DE" sz="4000" dirty="0"/>
+          </a:p>
+        </p:txBody>
+      </p:sp>
+      <p:sp>
+        <p:nvSpPr>
+          <p:cNvPr id="9" name="Inhaltsplatzhalter 5"/>
+          <p:cNvSpPr txBox="1">
+            <a:spLocks/>
+          </p:cNvSpPr>
+          <p:nvPr/>
+        </p:nvSpPr>
+        <p:spPr>
+          <a:xfrm>
+            <a:off x="551866" y="3293729"/>
+            <a:ext cx="3763657" cy="653804"/>
+          </a:xfrm>
+          <a:prstGeom prst="rect">
+            <a:avLst/>
+          </a:prstGeom>
+        </p:spPr>
+        <p:txBody>
+          <a:bodyPr vert="horz" lIns="91440" tIns="45720" rIns="91440" bIns="45720" rtlCol="0">
+            <a:normAutofit/>
+          </a:bodyPr>
+          <a:lstStyle>
+            <a:lvl1pPr marL="228600" indent="-228600" algn="l" defTabSz="914400" rtl="0" eaLnBrk="1" latinLnBrk="0" hangingPunct="1">
+              <a:lnSpc>
+                <a:spcPct val="90000"/>
+              </a:lnSpc>
+              <a:spcBef>
+                <a:spcPts val="1000"/>
+              </a:spcBef>
+              <a:buFont typeface="Arial" panose="020B0604020202020204" pitchFamily="34" charset="0"/>
+              <a:buChar char="•"/>
+              <a:defRPr sz="2800" kern="1200">
+                <a:solidFill>
+                  <a:schemeClr val="tx1"/>
+                </a:solidFill>
+                <a:latin typeface="+mn-lt"/>
+                <a:ea typeface="+mn-ea"/>
+                <a:cs typeface="+mn-cs"/>
+              </a:defRPr>
+            </a:lvl1pPr>
+            <a:lvl2pPr marL="685800" indent="-228600" algn="l" defTabSz="914400" rtl="0" eaLnBrk="1" latinLnBrk="0" hangingPunct="1">
+              <a:lnSpc>
+                <a:spcPct val="90000"/>
+              </a:lnSpc>
+              <a:spcBef>
+                <a:spcPts val="500"/>
+              </a:spcBef>
+              <a:buFont typeface="Arial" panose="020B0604020202020204" pitchFamily="34" charset="0"/>
+              <a:buChar char="•"/>
+              <a:defRPr sz="2400" kern="1200">
+                <a:solidFill>
+                  <a:schemeClr val="tx1"/>
+                </a:solidFill>
+                <a:latin typeface="+mn-lt"/>
+                <a:ea typeface="+mn-ea"/>
+                <a:cs typeface="+mn-cs"/>
+              </a:defRPr>
+            </a:lvl2pPr>
+            <a:lvl3pPr marL="1143000" indent="-228600" algn="l" defTabSz="914400" rtl="0" eaLnBrk="1" latinLnBrk="0" hangingPunct="1">
+              <a:lnSpc>
+                <a:spcPct val="90000"/>
+              </a:lnSpc>
+              <a:spcBef>
+                <a:spcPts val="500"/>
+              </a:spcBef>
+              <a:buFont typeface="Arial" panose="020B0604020202020204" pitchFamily="34" charset="0"/>
+              <a:buChar char="•"/>
+              <a:defRPr sz="2000" kern="1200">
+                <a:solidFill>
+                  <a:schemeClr val="tx1"/>
+                </a:solidFill>
+                <a:latin typeface="+mn-lt"/>
+                <a:ea typeface="+mn-ea"/>
+                <a:cs typeface="+mn-cs"/>
+              </a:defRPr>
+            </a:lvl3pPr>
+            <a:lvl4pPr marL="1600200" indent="-228600" algn="l" defTabSz="914400" rtl="0" eaLnBrk="1" latinLnBrk="0" hangingPunct="1">
+              <a:lnSpc>
+                <a:spcPct val="90000"/>
+              </a:lnSpc>
+              <a:spcBef>
+                <a:spcPts val="500"/>
+              </a:spcBef>
+              <a:buFont typeface="Arial" panose="020B0604020202020204" pitchFamily="34" charset="0"/>
+              <a:buChar char="•"/>
+              <a:defRPr sz="1800" kern="1200">
+                <a:solidFill>
+                  <a:schemeClr val="tx1"/>
+                </a:solidFill>
+                <a:latin typeface="+mn-lt"/>
+                <a:ea typeface="+mn-ea"/>
+                <a:cs typeface="+mn-cs"/>
+              </a:defRPr>
+            </a:lvl4pPr>
+            <a:lvl5pPr marL="2057400" indent="-228600" algn="l" defTabSz="914400" rtl="0" eaLnBrk="1" latinLnBrk="0" hangingPunct="1">
+              <a:lnSpc>
+                <a:spcPct val="90000"/>
+              </a:lnSpc>
+              <a:spcBef>
+                <a:spcPts val="500"/>
+              </a:spcBef>
+              <a:buFont typeface="Arial" panose="020B0604020202020204" pitchFamily="34" charset="0"/>
+              <a:buChar char="•"/>
+              <a:defRPr sz="1800" kern="1200">
+                <a:solidFill>
+                  <a:schemeClr val="tx1"/>
+                </a:solidFill>
+                <a:latin typeface="+mn-lt"/>
+                <a:ea typeface="+mn-ea"/>
+                <a:cs typeface="+mn-cs"/>
+              </a:defRPr>
+            </a:lvl5pPr>
+            <a:lvl6pPr marL="2514600" indent="-228600" algn="l" defTabSz="914400" rtl="0" eaLnBrk="1" latinLnBrk="0" hangingPunct="1">
+              <a:lnSpc>
+                <a:spcPct val="90000"/>
+              </a:lnSpc>
+              <a:spcBef>
+                <a:spcPts val="500"/>
+              </a:spcBef>
+              <a:buFont typeface="Arial" panose="020B0604020202020204" pitchFamily="34" charset="0"/>
+              <a:buChar char="•"/>
+              <a:defRPr sz="1800" kern="1200">
+                <a:solidFill>
+                  <a:schemeClr val="tx1"/>
+                </a:solidFill>
+                <a:latin typeface="+mn-lt"/>
+                <a:ea typeface="+mn-ea"/>
+                <a:cs typeface="+mn-cs"/>
+              </a:defRPr>
+            </a:lvl6pPr>
+            <a:lvl7pPr marL="2971800" indent="-228600" algn="l" defTabSz="914400" rtl="0" eaLnBrk="1" latinLnBrk="0" hangingPunct="1">
+              <a:lnSpc>
+                <a:spcPct val="90000"/>
+              </a:lnSpc>
+              <a:spcBef>
+                <a:spcPts val="500"/>
+              </a:spcBef>
+              <a:buFont typeface="Arial" panose="020B0604020202020204" pitchFamily="34" charset="0"/>
+              <a:buChar char="•"/>
+              <a:defRPr sz="1800" kern="1200">
+                <a:solidFill>
+                  <a:schemeClr val="tx1"/>
+                </a:solidFill>
+                <a:latin typeface="+mn-lt"/>
+                <a:ea typeface="+mn-ea"/>
+                <a:cs typeface="+mn-cs"/>
+              </a:defRPr>
+            </a:lvl7pPr>
+            <a:lvl8pPr marL="3429000" indent="-228600" algn="l" defTabSz="914400" rtl="0" eaLnBrk="1" latinLnBrk="0" hangingPunct="1">
+              <a:lnSpc>
+                <a:spcPct val="90000"/>
+              </a:lnSpc>
+              <a:spcBef>
+                <a:spcPts val="500"/>
+              </a:spcBef>
+              <a:buFont typeface="Arial" panose="020B0604020202020204" pitchFamily="34" charset="0"/>
+              <a:buChar char="•"/>
+              <a:defRPr sz="1800" kern="1200">
+                <a:solidFill>
+                  <a:schemeClr val="tx1"/>
+                </a:solidFill>
+                <a:latin typeface="+mn-lt"/>
+                <a:ea typeface="+mn-ea"/>
+                <a:cs typeface="+mn-cs"/>
+              </a:defRPr>
+            </a:lvl8pPr>
+            <a:lvl9pPr marL="3886200" indent="-228600" algn="l" defTabSz="914400" rtl="0" eaLnBrk="1" latinLnBrk="0" hangingPunct="1">
+              <a:lnSpc>
+                <a:spcPct val="90000"/>
+              </a:lnSpc>
+              <a:spcBef>
+                <a:spcPts val="500"/>
+              </a:spcBef>
+              <a:buFont typeface="Arial" panose="020B0604020202020204" pitchFamily="34" charset="0"/>
+              <a:buChar char="•"/>
+              <a:defRPr sz="1800" kern="1200">
+                <a:solidFill>
+                  <a:schemeClr val="tx1"/>
+                </a:solidFill>
+                <a:latin typeface="+mn-lt"/>
+                <a:ea typeface="+mn-ea"/>
+                <a:cs typeface="+mn-cs"/>
+              </a:defRPr>
+            </a:lvl9pPr>
+          </a:lstStyle>
+          <a:p>
+            <a:pPr marL="0" indent="0">
+              <a:buNone/>
+            </a:pPr>
+            <a:r>
+              <a:rPr lang="de-DE" sz="3200" dirty="0" smtClean="0">
+                <a:hlinkClick r:id="rId3"/>
+              </a:rPr>
+              <a:t>http://www.yaaw.de</a:t>
+            </a:r>
+            <a:endParaRPr lang="de-DE" sz="3200" dirty="0" smtClean="0"/>
+          </a:p>
+        </p:txBody>
+      </p:sp>
+      <p:pic>
+        <p:nvPicPr>
+          <p:cNvPr id="5" name="Bild 4"/>
+          <p:cNvPicPr>
+            <a:picLocks noChangeAspect="1"/>
+          </p:cNvPicPr>
+          <p:nvPr/>
+        </p:nvPicPr>
+        <p:blipFill>
+          <a:blip r:embed="rId4">
+            <a:extLst>
+              <a:ext uri="{28A0092B-C50C-407E-A947-70E740481C1C}">
+                <a14:useLocalDpi xmlns:a14="http://schemas.microsoft.com/office/drawing/2010/main" val="0"/>
+              </a:ext>
+            </a:extLst>
+          </a:blip>
+          <a:stretch>
+            <a:fillRect/>
+          </a:stretch>
+        </p:blipFill>
+        <p:spPr>
+          <a:xfrm>
+            <a:off x="4495216" y="1945780"/>
+            <a:ext cx="3349702" cy="3349702"/>
+          </a:xfrm>
+          <a:prstGeom prst="rect">
+            <a:avLst/>
+          </a:prstGeom>
+        </p:spPr>
+      </p:pic>
+    </p:spTree>
+    <p:extLst>
+      <p:ext uri="{BB962C8B-B14F-4D97-AF65-F5344CB8AC3E}">
+        <p14:creationId xmlns:p14="http://schemas.microsoft.com/office/powerpoint/2010/main" val="195369524"/>
+      </p:ext>
+    </p:extLst>
+  </p:cSld>
+  <p:clrMapOvr>
+    <a:masterClrMapping/>
+  </p:clrMapOvr>
+  <p:timing>
+    <p:tnLst>
+      <p:par>
+        <p:cTn id="1" dur="indefinite" restart="never" nodeType="tmRoot"/>
+      </p:par>
+    </p:tnLst>
+  </p:timing>
+</p:sld>
+</file>
+
+<file path=ppt/slides/slide11.xml><?xml version="1.0" encoding="utf-8"?>
+<p:sld xmlns:a="http://schemas.openxmlformats.org/drawingml/2006/main" xmlns:r="http://schemas.openxmlformats.org/officeDocument/2006/relationships" xmlns:p="http://schemas.openxmlformats.org/presentationml/2006/main">
+  <p:cSld>
+    <p:spTree>
+      <p:nvGrpSpPr>
+        <p:cNvPr id="1" name=""/>
+        <p:cNvGrpSpPr/>
+        <p:nvPr/>
+      </p:nvGrpSpPr>
+      <p:grpSpPr>
+        <a:xfrm>
+          <a:off x="0" y="0"/>
+          <a:ext cx="0" cy="0"/>
+          <a:chOff x="0" y="0"/>
+          <a:chExt cx="0" cy="0"/>
+        </a:xfrm>
+      </p:grpSpPr>
+      <p:sp>
+        <p:nvSpPr>
+          <p:cNvPr id="6" name="Inhaltsplatzhalter 5"/>
+          <p:cNvSpPr>
+            <a:spLocks noGrp="1"/>
+          </p:cNvSpPr>
+          <p:nvPr>
+            <p:ph idx="1"/>
+          </p:nvPr>
+        </p:nvSpPr>
+        <p:spPr>
+          <a:xfrm>
+            <a:off x="383581" y="2156304"/>
             <a:ext cx="8105151" cy="3617607"/>
           </a:xfrm>
         </p:spPr>
         <p:txBody>
           <a:bodyPr/>
           <a:lstStyle/>
-          <a:p>
-            <a:endParaRPr lang="de-DE" sz="2400" dirty="0"/>
-          </a:p>
           <a:p>
             <a:endParaRPr lang="de-DE" dirty="0"/>
           </a:p>
@@ -3682,9 +4156,35 @@
           <a:p>
             <a:fld id="{9CDE1BF7-98F8-4339-9767-51328A5E8D33}" type="slidenum">
               <a:rPr lang="de-DE" smtClean="0"/>
-              <a:t>10</a:t>
+              <a:t>11</a:t>
             </a:fld>
             <a:endParaRPr lang="de-DE"/>
+          </a:p>
+        </p:txBody>
+      </p:sp>
+      <p:sp>
+        <p:nvSpPr>
+          <p:cNvPr id="5" name="Titel 4"/>
+          <p:cNvSpPr>
+            <a:spLocks noGrp="1"/>
+          </p:cNvSpPr>
+          <p:nvPr>
+            <p:ph type="title"/>
+          </p:nvPr>
+        </p:nvSpPr>
+        <p:spPr>
+          <a:xfrm>
+            <a:off x="602032" y="694334"/>
+            <a:ext cx="7886700" cy="1325563"/>
+          </a:xfrm>
+        </p:spPr>
+        <p:txBody>
+          <a:bodyPr>
+            <a:normAutofit/>
+          </a:bodyPr>
+          <a:lstStyle/>
+          <a:p>
+            <a:endParaRPr lang="de-DE" sz="4000" dirty="0"/>
           </a:p>
         </p:txBody>
       </p:sp>
@@ -3884,6 +4384,13 @@
   <p:clrMapOvr>
     <a:masterClrMapping/>
   </p:clrMapOvr>
+  <p:timing>
+    <p:tnLst>
+      <p:par>
+        <p:cTn id="1" dur="indefinite" restart="never" nodeType="tmRoot"/>
+      </p:par>
+    </p:tnLst>
+  </p:timing>
 </p:sld>
 </file>
 
@@ -4042,6 +4549,13 @@
   <p:clrMapOvr>
     <a:masterClrMapping/>
   </p:clrMapOvr>
+  <p:timing>
+    <p:tnLst>
+      <p:par>
+        <p:cTn id="1" dur="indefinite" restart="never" nodeType="tmRoot"/>
+      </p:par>
+    </p:tnLst>
+  </p:timing>
 </p:sld>
 </file>
 
@@ -4455,25 +4969,7 @@
               <a:srgbClr val="FFFFFF"/>
             </a:contourClr>
           </a:sp3d>
-          <a:extLst>
-            <a:ext uri="{909E8E84-426E-40DD-AFC4-6F175D3DCCD1}">
-              <a14:hiddenFill xmlns:a14="http://schemas.microsoft.com/office/drawing/2010/main">
-                <a:solidFill>
-                  <a:srgbClr val="FFFFFF"/>
-                </a:solidFill>
-              </a14:hiddenFill>
-            </a:ext>
-            <a:ext uri="{91240B29-F687-4F45-9708-019B960494DF}">
-              <a14:hiddenLine xmlns:a14="http://schemas.microsoft.com/office/drawing/2010/main" w="9525">
-                <a:solidFill>
-                  <a:srgbClr val="000000"/>
-                </a:solidFill>
-                <a:miter lim="800000"/>
-                <a:headEnd/>
-                <a:tailEnd/>
-              </a14:hiddenLine>
-            </a:ext>
-          </a:extLst>
+          <a:extLst/>
         </p:spPr>
       </p:pic>
       <p:sp>
